--- a/1.Experimental preparation/1.Preparation before the experiment/0.Preparation before the class(Web).pptx
+++ b/1.Experimental preparation/1.Preparation before the experiment/0.Preparation before the class(Web).pptx
@@ -2366,7 +2366,7 @@
         <a:spcBef>
           <a:spcPts val="1000"/>
         </a:spcBef>
-        <a:buFont typeface="Arial" panose="020B0604020202020204" pitchFamily="34" charset="0"/>
+        <a:buFont typeface="Arial" pitchFamily="34" charset="0"/>
         <a:buChar char="•"/>
         <a:defRPr sz="2800" kern="1200">
           <a:solidFill>
@@ -2384,7 +2384,7 @@
         <a:spcBef>
           <a:spcPts val="500"/>
         </a:spcBef>
-        <a:buFont typeface="Arial" panose="020B0604020202020204" pitchFamily="34" charset="0"/>
+        <a:buFont typeface="Arial" pitchFamily="34" charset="0"/>
         <a:buChar char="•"/>
         <a:defRPr sz="2400" kern="1200">
           <a:solidFill>
@@ -2402,7 +2402,7 @@
         <a:spcBef>
           <a:spcPts val="500"/>
         </a:spcBef>
-        <a:buFont typeface="Arial" panose="020B0604020202020204" pitchFamily="34" charset="0"/>
+        <a:buFont typeface="Arial" pitchFamily="34" charset="0"/>
         <a:buChar char="•"/>
         <a:defRPr sz="2000" kern="1200">
           <a:solidFill>
@@ -2420,7 +2420,7 @@
         <a:spcBef>
           <a:spcPts val="500"/>
         </a:spcBef>
-        <a:buFont typeface="Arial" panose="020B0604020202020204" pitchFamily="34" charset="0"/>
+        <a:buFont typeface="Arial" pitchFamily="34" charset="0"/>
         <a:buChar char="•"/>
         <a:defRPr sz="1800" kern="1200">
           <a:solidFill>
@@ -2438,7 +2438,7 @@
         <a:spcBef>
           <a:spcPts val="500"/>
         </a:spcBef>
-        <a:buFont typeface="Arial" panose="020B0604020202020204" pitchFamily="34" charset="0"/>
+        <a:buFont typeface="Arial" pitchFamily="34" charset="0"/>
         <a:buChar char="•"/>
         <a:defRPr sz="1800" kern="1200">
           <a:solidFill>
@@ -2456,7 +2456,7 @@
         <a:spcBef>
           <a:spcPts val="500"/>
         </a:spcBef>
-        <a:buFont typeface="Arial" panose="020B0604020202020204" pitchFamily="34" charset="0"/>
+        <a:buFont typeface="Arial" pitchFamily="34" charset="0"/>
         <a:buChar char="•"/>
         <a:defRPr sz="1800" kern="1200">
           <a:solidFill>
@@ -2474,7 +2474,7 @@
         <a:spcBef>
           <a:spcPts val="500"/>
         </a:spcBef>
-        <a:buFont typeface="Arial" panose="020B0604020202020204" pitchFamily="34" charset="0"/>
+        <a:buFont typeface="Arial" pitchFamily="34" charset="0"/>
         <a:buChar char="•"/>
         <a:defRPr sz="1800" kern="1200">
           <a:solidFill>
@@ -2492,7 +2492,7 @@
         <a:spcBef>
           <a:spcPts val="500"/>
         </a:spcBef>
-        <a:buFont typeface="Arial" panose="020B0604020202020204" pitchFamily="34" charset="0"/>
+        <a:buFont typeface="Arial" pitchFamily="34" charset="0"/>
         <a:buChar char="•"/>
         <a:defRPr sz="1800" kern="1200">
           <a:solidFill>
@@ -2510,7 +2510,7 @@
         <a:spcBef>
           <a:spcPts val="500"/>
         </a:spcBef>
-        <a:buFont typeface="Arial" panose="020B0604020202020204" pitchFamily="34" charset="0"/>
+        <a:buFont typeface="Arial" pitchFamily="34" charset="0"/>
         <a:buChar char="•"/>
         <a:defRPr sz="1800" kern="1200">
           <a:solidFill>
@@ -3382,7 +3382,7 @@
                   <a:schemeClr val="accent2"/>
                 </a:solidFill>
                 <a:latin typeface="+mn-lt"/>
-                <a:ea typeface="微软雅黑" panose="020B0503020204020204" charset="-122"/>
+                <a:ea typeface="微软雅黑" charset="-122"/>
                 <a:cs typeface="+mn-lt"/>
               </a:rPr>
               <a:t>micro</a:t>
@@ -3393,7 +3393,7 @@
                   <a:schemeClr val="accent2"/>
                 </a:solidFill>
                 <a:latin typeface="+mn-lt"/>
-                <a:ea typeface="微软雅黑" panose="020B0503020204020204" charset="-122"/>
+                <a:ea typeface="微软雅黑" charset="-122"/>
                 <a:cs typeface="+mn-lt"/>
               </a:rPr>
               <a:t>：</a:t>
@@ -3404,7 +3404,7 @@
                   <a:schemeClr val="accent2"/>
                 </a:solidFill>
                 <a:latin typeface="+mn-lt"/>
-                <a:ea typeface="微软雅黑" panose="020B0503020204020204" charset="-122"/>
+                <a:ea typeface="微软雅黑" charset="-122"/>
                 <a:cs typeface="+mn-lt"/>
               </a:rPr>
               <a:t>bit p</a:t>
@@ -3415,7 +3415,7 @@
                   <a:schemeClr val="accent2"/>
                 </a:solidFill>
                 <a:latin typeface="+mn-lt"/>
-                <a:ea typeface="微软雅黑" panose="020B0503020204020204" charset="-122"/>
+                <a:ea typeface="微软雅黑" charset="-122"/>
                 <a:cs typeface="+mn-lt"/>
               </a:rPr>
               <a:t>rogramming tutorial</a:t>
@@ -3425,7 +3425,7 @@
                 <a:schemeClr val="accent2"/>
               </a:solidFill>
               <a:latin typeface="+mn-lt"/>
-              <a:ea typeface="微软雅黑" panose="020B0503020204020204" charset="-122"/>
+              <a:ea typeface="微软雅黑" charset="-122"/>
               <a:cs typeface="+mn-lt"/>
             </a:endParaRPr>
           </a:p>
@@ -3826,8 +3826,8 @@
                 <a:solidFill>
                   <a:schemeClr val="bg1"/>
                 </a:solidFill>
-                <a:latin typeface="微软雅黑" panose="020B0503020204020204" charset="-122"/>
-                <a:ea typeface="微软雅黑" panose="020B0503020204020204" charset="-122"/>
+                <a:latin typeface="微软雅黑" charset="-122"/>
+                <a:ea typeface="微软雅黑" charset="-122"/>
                 <a:sym typeface="+mn-ea"/>
               </a:rPr>
               <a:t> Yahboom</a:t>
@@ -3837,8 +3837,8 @@
                 <a:solidFill>
                   <a:schemeClr val="bg1"/>
                 </a:solidFill>
-                <a:latin typeface="微软雅黑" panose="020B0503020204020204" charset="-122"/>
-                <a:ea typeface="微软雅黑" panose="020B0503020204020204" charset="-122"/>
+                <a:latin typeface="微软雅黑" charset="-122"/>
+                <a:ea typeface="微软雅黑" charset="-122"/>
                 <a:sym typeface="+mn-ea"/>
               </a:rPr>
               <a:t>     </a:t>
@@ -3848,8 +3848,8 @@
                 <a:solidFill>
                   <a:schemeClr val="bg1"/>
                 </a:solidFill>
-                <a:latin typeface="微软雅黑" panose="020B0503020204020204" charset="-122"/>
-                <a:ea typeface="微软雅黑" panose="020B0503020204020204" charset="-122"/>
+                <a:latin typeface="微软雅黑" charset="-122"/>
+                <a:ea typeface="微软雅黑" charset="-122"/>
                 <a:sym typeface="+mn-ea"/>
               </a:rPr>
               <a:t>micro:bit t</a:t>
@@ -3859,8 +3859,8 @@
                 <a:solidFill>
                   <a:schemeClr val="bg1"/>
                 </a:solidFill>
-                <a:latin typeface="微软雅黑" panose="020B0503020204020204" charset="-122"/>
-                <a:ea typeface="微软雅黑" panose="020B0503020204020204" charset="-122"/>
+                <a:latin typeface="微软雅黑" charset="-122"/>
+                <a:ea typeface="微软雅黑" charset="-122"/>
                 <a:sym typeface="+mn-ea"/>
               </a:rPr>
               <a:t>utorial</a:t>
@@ -3869,8 +3869,8 @@
               <a:solidFill>
                 <a:schemeClr val="bg1"/>
               </a:solidFill>
-              <a:latin typeface="微软雅黑" panose="020B0503020204020204" charset="-122"/>
-              <a:ea typeface="微软雅黑" panose="020B0503020204020204" charset="-122"/>
+              <a:latin typeface="微软雅黑" charset="-122"/>
+              <a:ea typeface="微软雅黑" charset="-122"/>
               <a:sym typeface="+mn-ea"/>
             </a:endParaRPr>
           </a:p>
@@ -3914,8 +3914,8 @@
                     </a:srgbClr>
                   </a:outerShdw>
                 </a:effectLst>
-                <a:latin typeface="微软雅黑 Light" panose="020B0502040204020203" charset="-122"/>
-                <a:ea typeface="微软雅黑 Light" panose="020B0502040204020203" charset="-122"/>
+                <a:latin typeface="微软雅黑 Light" charset="-122"/>
+                <a:ea typeface="微软雅黑 Light" charset="-122"/>
               </a:rPr>
               <a:t>   </a:t>
             </a:r>
@@ -3931,8 +3931,8 @@
                     </a:srgbClr>
                   </a:outerShdw>
                 </a:effectLst>
-                <a:latin typeface="Arial" panose="020B0604020202020204" pitchFamily="34" charset="0"/>
-                <a:ea typeface="Arial" panose="020B0604020202020204" pitchFamily="34" charset="0"/>
+                <a:latin typeface="Arial" pitchFamily="34" charset="0"/>
+                <a:ea typeface="Arial" pitchFamily="34" charset="0"/>
               </a:rPr>
               <a:t>micro:bit</a:t>
             </a:r>
@@ -3947,8 +3947,8 @@
                   </a:srgbClr>
                 </a:outerShdw>
               </a:effectLst>
-              <a:latin typeface="Arial" panose="020B0604020202020204" pitchFamily="34" charset="0"/>
-              <a:ea typeface="Arial" panose="020B0604020202020204" pitchFamily="34" charset="0"/>
+              <a:latin typeface="Arial" pitchFamily="34" charset="0"/>
+              <a:ea typeface="Arial" pitchFamily="34" charset="0"/>
             </a:endParaRPr>
           </a:p>
         </p:txBody>
@@ -3987,8 +3987,8 @@
                     </a:srgbClr>
                   </a:outerShdw>
                 </a:effectLst>
-                <a:latin typeface="Arial" panose="020B0604020202020204" pitchFamily="34" charset="0"/>
-                <a:ea typeface="Arial" panose="020B0604020202020204" pitchFamily="34" charset="0"/>
+                <a:latin typeface="Arial" pitchFamily="34" charset="0"/>
+                <a:ea typeface="Arial" pitchFamily="34" charset="0"/>
               </a:rPr>
               <a:t>preparation before class</a:t>
             </a:r>
@@ -4003,8 +4003,8 @@
                   </a:srgbClr>
                 </a:outerShdw>
               </a:effectLst>
-              <a:latin typeface="Arial" panose="020B0604020202020204" pitchFamily="34" charset="0"/>
-              <a:ea typeface="Arial" panose="020B0604020202020204" pitchFamily="34" charset="0"/>
+              <a:latin typeface="Arial" pitchFamily="34" charset="0"/>
+              <a:ea typeface="Arial" pitchFamily="34" charset="0"/>
             </a:endParaRPr>
           </a:p>
         </p:txBody>
@@ -4825,8 +4825,8 @@
                     </a:srgbClr>
                   </a:outerShdw>
                 </a:effectLst>
-                <a:latin typeface="Arial" panose="020B0604020202020204" pitchFamily="34" charset="0"/>
-                <a:ea typeface="Arial" panose="020B0604020202020204" pitchFamily="34" charset="0"/>
+                <a:latin typeface="Arial" pitchFamily="34" charset="0"/>
+                <a:ea typeface="Arial" pitchFamily="34" charset="0"/>
                 <a:sym typeface="+mn-ea"/>
               </a:rPr>
               <a:t>After loading the package, we can see that the program bar has loaded the blocks made by YahBoom.</a:t>
@@ -4878,8 +4878,8 @@
                     <a:lumMod val="75000"/>
                   </a:schemeClr>
                 </a:solidFill>
-                <a:latin typeface="Arial" panose="020B0604020202020204" pitchFamily="34" charset="0"/>
-                <a:ea typeface="Arial" panose="020B0604020202020204" pitchFamily="34" charset="0"/>
+                <a:latin typeface="Arial" pitchFamily="34" charset="0"/>
+                <a:ea typeface="Arial" pitchFamily="34" charset="0"/>
                 <a:sym typeface="+mn-ea"/>
               </a:rPr>
               <a:t>How to add YahBoom extension</a:t>
@@ -4954,7 +4954,7 @@
                   <a:schemeClr val="accent2"/>
                 </a:solidFill>
                 <a:latin typeface="+mn-lt"/>
-                <a:ea typeface="微软雅黑" panose="020B0503020204020204" charset="-122"/>
+                <a:ea typeface="微软雅黑" charset="-122"/>
                 <a:cs typeface="+mn-lt"/>
               </a:rPr>
               <a:t>micro</a:t>
@@ -4965,7 +4965,7 @@
                   <a:schemeClr val="accent2"/>
                 </a:solidFill>
                 <a:latin typeface="+mn-lt"/>
-                <a:ea typeface="微软雅黑" panose="020B0503020204020204" charset="-122"/>
+                <a:ea typeface="微软雅黑" charset="-122"/>
                 <a:cs typeface="+mn-lt"/>
               </a:rPr>
               <a:t>：</a:t>
@@ -4976,7 +4976,7 @@
                   <a:schemeClr val="accent2"/>
                 </a:solidFill>
                 <a:latin typeface="+mn-lt"/>
-                <a:ea typeface="微软雅黑" panose="020B0503020204020204" charset="-122"/>
+                <a:ea typeface="微软雅黑" charset="-122"/>
                 <a:cs typeface="+mn-lt"/>
               </a:rPr>
               <a:t>bit p</a:t>
@@ -4987,7 +4987,7 @@
                   <a:schemeClr val="accent2"/>
                 </a:solidFill>
                 <a:latin typeface="+mn-lt"/>
-                <a:ea typeface="微软雅黑" panose="020B0503020204020204" charset="-122"/>
+                <a:ea typeface="微软雅黑" charset="-122"/>
                 <a:cs typeface="+mn-lt"/>
               </a:rPr>
               <a:t>rogramming tutorial</a:t>
@@ -4997,7 +4997,7 @@
                 <a:schemeClr val="accent2"/>
               </a:solidFill>
               <a:latin typeface="+mn-lt"/>
-              <a:ea typeface="微软雅黑" panose="020B0503020204020204" charset="-122"/>
+              <a:ea typeface="微软雅黑" charset="-122"/>
               <a:cs typeface="+mn-lt"/>
             </a:endParaRPr>
           </a:p>
@@ -5399,8 +5399,8 @@
                 <a:solidFill>
                   <a:schemeClr val="bg1"/>
                 </a:solidFill>
-                <a:latin typeface="微软雅黑" panose="020B0503020204020204" charset="-122"/>
-                <a:ea typeface="微软雅黑" panose="020B0503020204020204" charset="-122"/>
+                <a:latin typeface="微软雅黑" charset="-122"/>
+                <a:ea typeface="微软雅黑" charset="-122"/>
                 <a:sym typeface="+mn-ea"/>
               </a:rPr>
               <a:t> Yahboom</a:t>
@@ -5410,8 +5410,8 @@
                 <a:solidFill>
                   <a:schemeClr val="bg1"/>
                 </a:solidFill>
-                <a:latin typeface="微软雅黑" panose="020B0503020204020204" charset="-122"/>
-                <a:ea typeface="微软雅黑" panose="020B0503020204020204" charset="-122"/>
+                <a:latin typeface="微软雅黑" charset="-122"/>
+                <a:ea typeface="微软雅黑" charset="-122"/>
                 <a:sym typeface="+mn-ea"/>
               </a:rPr>
               <a:t>     </a:t>
@@ -5421,8 +5421,8 @@
                 <a:solidFill>
                   <a:schemeClr val="bg1"/>
                 </a:solidFill>
-                <a:latin typeface="微软雅黑" panose="020B0503020204020204" charset="-122"/>
-                <a:ea typeface="微软雅黑" panose="020B0503020204020204" charset="-122"/>
+                <a:latin typeface="微软雅黑" charset="-122"/>
+                <a:ea typeface="微软雅黑" charset="-122"/>
                 <a:sym typeface="+mn-ea"/>
               </a:rPr>
               <a:t>micro:bit t</a:t>
@@ -5432,8 +5432,8 @@
                 <a:solidFill>
                   <a:schemeClr val="bg1"/>
                 </a:solidFill>
-                <a:latin typeface="微软雅黑" panose="020B0503020204020204" charset="-122"/>
-                <a:ea typeface="微软雅黑" panose="020B0503020204020204" charset="-122"/>
+                <a:latin typeface="微软雅黑" charset="-122"/>
+                <a:ea typeface="微软雅黑" charset="-122"/>
                 <a:sym typeface="+mn-ea"/>
               </a:rPr>
               <a:t>utorial</a:t>
@@ -5442,8 +5442,8 @@
               <a:solidFill>
                 <a:schemeClr val="bg1"/>
               </a:solidFill>
-              <a:latin typeface="微软雅黑" panose="020B0503020204020204" charset="-122"/>
-              <a:ea typeface="微软雅黑" panose="020B0503020204020204" charset="-122"/>
+              <a:latin typeface="微软雅黑" charset="-122"/>
+              <a:ea typeface="微软雅黑" charset="-122"/>
               <a:sym typeface="+mn-ea"/>
             </a:endParaRPr>
           </a:p>
@@ -6287,8 +6287,8 @@
                     </a:srgbClr>
                   </a:outerShdw>
                 </a:effectLst>
-                <a:latin typeface="Arial" panose="020B0604020202020204" pitchFamily="34" charset="0"/>
-                <a:ea typeface="Arial" panose="020B0604020202020204" pitchFamily="34" charset="0"/>
+                <a:latin typeface="Arial" pitchFamily="34" charset="0"/>
+                <a:ea typeface="Arial" pitchFamily="34" charset="0"/>
                 <a:sym typeface="+mn-ea"/>
               </a:rPr>
               <a:t>After the building blocks</a:t>
@@ -6305,8 +6305,8 @@
                     </a:srgbClr>
                   </a:outerShdw>
                 </a:effectLst>
-                <a:latin typeface="Arial" panose="020B0604020202020204" pitchFamily="34" charset="0"/>
-                <a:ea typeface="Arial" panose="020B0604020202020204" pitchFamily="34" charset="0"/>
+                <a:latin typeface="Arial" pitchFamily="34" charset="0"/>
+                <a:ea typeface="Arial" pitchFamily="34" charset="0"/>
                 <a:sym typeface="+mn-ea"/>
               </a:rPr>
               <a:t>, click Download. </a:t>
@@ -6323,8 +6323,8 @@
                     </a:srgbClr>
                   </a:outerShdw>
                 </a:effectLst>
-                <a:latin typeface="Arial" panose="020B0604020202020204" pitchFamily="34" charset="0"/>
-                <a:ea typeface="Arial" panose="020B0604020202020204" pitchFamily="34" charset="0"/>
+                <a:latin typeface="Arial" pitchFamily="34" charset="0"/>
+                <a:ea typeface="Arial" pitchFamily="34" charset="0"/>
                 <a:sym typeface="+mn-ea"/>
               </a:rPr>
               <a:t>You can set the download path in the U disk of micro:bit, download it to the computer, and then copy it to the U disk in micro:bit.</a:t>
@@ -6340,8 +6340,8 @@
                   </a:srgbClr>
                 </a:outerShdw>
               </a:effectLst>
-              <a:latin typeface="Arial" panose="020B0604020202020204" pitchFamily="34" charset="0"/>
-              <a:ea typeface="Arial" panose="020B0604020202020204" pitchFamily="34" charset="0"/>
+              <a:latin typeface="Arial" pitchFamily="34" charset="0"/>
+              <a:ea typeface="Arial" pitchFamily="34" charset="0"/>
             </a:endParaRPr>
           </a:p>
           <a:p>
@@ -6391,8 +6391,8 @@
                     <a:lumMod val="75000"/>
                   </a:schemeClr>
                 </a:solidFill>
-                <a:latin typeface="Arial" panose="020B0604020202020204" pitchFamily="34" charset="0"/>
-                <a:ea typeface="Arial" panose="020B0604020202020204" pitchFamily="34" charset="0"/>
+                <a:latin typeface="Arial" pitchFamily="34" charset="0"/>
+                <a:ea typeface="Arial" pitchFamily="34" charset="0"/>
                 <a:sym typeface="+mn-ea"/>
               </a:rPr>
               <a:t>How to download </a:t>
@@ -6403,8 +6403,8 @@
                   <a:lumMod val="75000"/>
                 </a:schemeClr>
               </a:solidFill>
-              <a:latin typeface="Arial" panose="020B0604020202020204" pitchFamily="34" charset="0"/>
-              <a:ea typeface="Arial" panose="020B0604020202020204" pitchFamily="34" charset="0"/>
+              <a:latin typeface="Arial" pitchFamily="34" charset="0"/>
+              <a:ea typeface="Arial" pitchFamily="34" charset="0"/>
               <a:sym typeface="+mn-ea"/>
             </a:endParaRPr>
           </a:p>
@@ -6417,8 +6417,8 @@
                     <a:lumMod val="75000"/>
                   </a:schemeClr>
                 </a:solidFill>
-                <a:latin typeface="Arial" panose="020B0604020202020204" pitchFamily="34" charset="0"/>
-                <a:ea typeface="Arial" panose="020B0604020202020204" pitchFamily="34" charset="0"/>
+                <a:latin typeface="Arial" pitchFamily="34" charset="0"/>
+                <a:ea typeface="Arial" pitchFamily="34" charset="0"/>
                 <a:sym typeface="+mn-ea"/>
               </a:rPr>
               <a:t>micro:bit</a:t>
@@ -6430,8 +6430,8 @@
                     <a:lumMod val="75000"/>
                   </a:schemeClr>
                 </a:solidFill>
-                <a:latin typeface="Arial" panose="020B0604020202020204" pitchFamily="34" charset="0"/>
-                <a:ea typeface="Arial" panose="020B0604020202020204" pitchFamily="34" charset="0"/>
+                <a:latin typeface="Arial" pitchFamily="34" charset="0"/>
+                <a:ea typeface="Arial" pitchFamily="34" charset="0"/>
                 <a:sym typeface="+mn-ea"/>
               </a:rPr>
               <a:t> </a:t>
@@ -6443,8 +6443,8 @@
                     <a:lumMod val="75000"/>
                   </a:schemeClr>
                 </a:solidFill>
-                <a:latin typeface="Arial" panose="020B0604020202020204" pitchFamily="34" charset="0"/>
-                <a:ea typeface="Arial" panose="020B0604020202020204" pitchFamily="34" charset="0"/>
+                <a:latin typeface="Arial" pitchFamily="34" charset="0"/>
+                <a:ea typeface="Arial" pitchFamily="34" charset="0"/>
                 <a:sym typeface="+mn-ea"/>
               </a:rPr>
               <a:t>code?</a:t>
@@ -6455,8 +6455,8 @@
                   <a:lumMod val="75000"/>
                 </a:schemeClr>
               </a:solidFill>
-              <a:latin typeface="Arial" panose="020B0604020202020204" pitchFamily="34" charset="0"/>
-              <a:ea typeface="Arial" panose="020B0604020202020204" pitchFamily="34" charset="0"/>
+              <a:latin typeface="Arial" pitchFamily="34" charset="0"/>
+              <a:ea typeface="Arial" pitchFamily="34" charset="0"/>
               <a:sym typeface="+mn-ea"/>
             </a:endParaRPr>
           </a:p>
@@ -6467,8 +6467,8 @@
                   <a:lumMod val="75000"/>
                 </a:schemeClr>
               </a:solidFill>
-              <a:latin typeface="Arial" panose="020B0604020202020204" pitchFamily="34" charset="0"/>
-              <a:ea typeface="Arial" panose="020B0604020202020204" pitchFamily="34" charset="0"/>
+              <a:latin typeface="Arial" pitchFamily="34" charset="0"/>
+              <a:ea typeface="Arial" pitchFamily="34" charset="0"/>
               <a:sym typeface="+mn-ea"/>
             </a:endParaRPr>
           </a:p>
@@ -6500,7 +6500,7 @@
                   <a:schemeClr val="accent2"/>
                 </a:solidFill>
                 <a:latin typeface="+mn-lt"/>
-                <a:ea typeface="微软雅黑" panose="020B0503020204020204" charset="-122"/>
+                <a:ea typeface="微软雅黑" charset="-122"/>
                 <a:cs typeface="+mn-lt"/>
               </a:rPr>
               <a:t>micro</a:t>
@@ -6511,7 +6511,7 @@
                   <a:schemeClr val="accent2"/>
                 </a:solidFill>
                 <a:latin typeface="+mn-lt"/>
-                <a:ea typeface="微软雅黑" panose="020B0503020204020204" charset="-122"/>
+                <a:ea typeface="微软雅黑" charset="-122"/>
                 <a:cs typeface="+mn-lt"/>
               </a:rPr>
               <a:t>：</a:t>
@@ -6522,7 +6522,7 @@
                   <a:schemeClr val="accent2"/>
                 </a:solidFill>
                 <a:latin typeface="+mn-lt"/>
-                <a:ea typeface="微软雅黑" panose="020B0503020204020204" charset="-122"/>
+                <a:ea typeface="微软雅黑" charset="-122"/>
                 <a:cs typeface="+mn-lt"/>
               </a:rPr>
               <a:t>bit p</a:t>
@@ -6533,7 +6533,7 @@
                   <a:schemeClr val="accent2"/>
                 </a:solidFill>
                 <a:latin typeface="+mn-lt"/>
-                <a:ea typeface="微软雅黑" panose="020B0503020204020204" charset="-122"/>
+                <a:ea typeface="微软雅黑" charset="-122"/>
                 <a:cs typeface="+mn-lt"/>
               </a:rPr>
               <a:t>rogramming tutorial</a:t>
@@ -6543,7 +6543,7 @@
                 <a:schemeClr val="accent2"/>
               </a:solidFill>
               <a:latin typeface="+mn-lt"/>
-              <a:ea typeface="微软雅黑" panose="020B0503020204020204" charset="-122"/>
+              <a:ea typeface="微软雅黑" charset="-122"/>
               <a:cs typeface="+mn-lt"/>
             </a:endParaRPr>
           </a:p>
@@ -6945,8 +6945,8 @@
                 <a:solidFill>
                   <a:schemeClr val="bg1"/>
                 </a:solidFill>
-                <a:latin typeface="微软雅黑" panose="020B0503020204020204" charset="-122"/>
-                <a:ea typeface="微软雅黑" panose="020B0503020204020204" charset="-122"/>
+                <a:latin typeface="微软雅黑" charset="-122"/>
+                <a:ea typeface="微软雅黑" charset="-122"/>
                 <a:sym typeface="+mn-ea"/>
               </a:rPr>
               <a:t> Yahboom</a:t>
@@ -6956,8 +6956,8 @@
                 <a:solidFill>
                   <a:schemeClr val="bg1"/>
                 </a:solidFill>
-                <a:latin typeface="微软雅黑" panose="020B0503020204020204" charset="-122"/>
-                <a:ea typeface="微软雅黑" panose="020B0503020204020204" charset="-122"/>
+                <a:latin typeface="微软雅黑" charset="-122"/>
+                <a:ea typeface="微软雅黑" charset="-122"/>
                 <a:sym typeface="+mn-ea"/>
               </a:rPr>
               <a:t>     </a:t>
@@ -6967,8 +6967,8 @@
                 <a:solidFill>
                   <a:schemeClr val="bg1"/>
                 </a:solidFill>
-                <a:latin typeface="微软雅黑" panose="020B0503020204020204" charset="-122"/>
-                <a:ea typeface="微软雅黑" panose="020B0503020204020204" charset="-122"/>
+                <a:latin typeface="微软雅黑" charset="-122"/>
+                <a:ea typeface="微软雅黑" charset="-122"/>
                 <a:sym typeface="+mn-ea"/>
               </a:rPr>
               <a:t>micro:bit t</a:t>
@@ -6978,8 +6978,8 @@
                 <a:solidFill>
                   <a:schemeClr val="bg1"/>
                 </a:solidFill>
-                <a:latin typeface="微软雅黑" panose="020B0503020204020204" charset="-122"/>
-                <a:ea typeface="微软雅黑" panose="020B0503020204020204" charset="-122"/>
+                <a:latin typeface="微软雅黑" charset="-122"/>
+                <a:ea typeface="微软雅黑" charset="-122"/>
                 <a:sym typeface="+mn-ea"/>
               </a:rPr>
               <a:t>utorial</a:t>
@@ -6988,8 +6988,8 @@
               <a:solidFill>
                 <a:schemeClr val="bg1"/>
               </a:solidFill>
-              <a:latin typeface="微软雅黑" panose="020B0503020204020204" charset="-122"/>
-              <a:ea typeface="微软雅黑" panose="020B0503020204020204" charset="-122"/>
+              <a:latin typeface="微软雅黑" charset="-122"/>
+              <a:ea typeface="微软雅黑" charset="-122"/>
               <a:sym typeface="+mn-ea"/>
             </a:endParaRPr>
           </a:p>
@@ -7988,7 +7988,7 @@
                   <a:schemeClr val="accent2"/>
                 </a:solidFill>
                 <a:latin typeface="+mn-lt"/>
-                <a:ea typeface="微软雅黑" panose="020B0503020204020204" charset="-122"/>
+                <a:ea typeface="微软雅黑" charset="-122"/>
                 <a:cs typeface="+mn-lt"/>
               </a:rPr>
               <a:t>micro</a:t>
@@ -7999,7 +7999,7 @@
                   <a:schemeClr val="accent2"/>
                 </a:solidFill>
                 <a:latin typeface="+mn-lt"/>
-                <a:ea typeface="微软雅黑" panose="020B0503020204020204" charset="-122"/>
+                <a:ea typeface="微软雅黑" charset="-122"/>
                 <a:cs typeface="+mn-lt"/>
               </a:rPr>
               <a:t>：</a:t>
@@ -8010,7 +8010,7 @@
                   <a:schemeClr val="accent2"/>
                 </a:solidFill>
                 <a:latin typeface="+mn-lt"/>
-                <a:ea typeface="微软雅黑" panose="020B0503020204020204" charset="-122"/>
+                <a:ea typeface="微软雅黑" charset="-122"/>
                 <a:cs typeface="+mn-lt"/>
               </a:rPr>
               <a:t>bit p</a:t>
@@ -8021,7 +8021,7 @@
                   <a:schemeClr val="accent2"/>
                 </a:solidFill>
                 <a:latin typeface="+mn-lt"/>
-                <a:ea typeface="微软雅黑" panose="020B0503020204020204" charset="-122"/>
+                <a:ea typeface="微软雅黑" charset="-122"/>
                 <a:cs typeface="+mn-lt"/>
               </a:rPr>
               <a:t>rogramming tutorial</a:t>
@@ -8031,7 +8031,7 @@
                 <a:schemeClr val="accent2"/>
               </a:solidFill>
               <a:latin typeface="+mn-lt"/>
-              <a:ea typeface="微软雅黑" panose="020B0503020204020204" charset="-122"/>
+              <a:ea typeface="微软雅黑" charset="-122"/>
               <a:cs typeface="+mn-lt"/>
             </a:endParaRPr>
           </a:p>
@@ -8433,8 +8433,8 @@
                 <a:solidFill>
                   <a:schemeClr val="bg1"/>
                 </a:solidFill>
-                <a:latin typeface="微软雅黑" panose="020B0503020204020204" charset="-122"/>
-                <a:ea typeface="微软雅黑" panose="020B0503020204020204" charset="-122"/>
+                <a:latin typeface="微软雅黑" charset="-122"/>
+                <a:ea typeface="微软雅黑" charset="-122"/>
                 <a:sym typeface="+mn-ea"/>
               </a:rPr>
               <a:t> Yahboom</a:t>
@@ -8444,8 +8444,8 @@
                 <a:solidFill>
                   <a:schemeClr val="bg1"/>
                 </a:solidFill>
-                <a:latin typeface="微软雅黑" panose="020B0503020204020204" charset="-122"/>
-                <a:ea typeface="微软雅黑" panose="020B0503020204020204" charset="-122"/>
+                <a:latin typeface="微软雅黑" charset="-122"/>
+                <a:ea typeface="微软雅黑" charset="-122"/>
                 <a:sym typeface="+mn-ea"/>
               </a:rPr>
               <a:t>     </a:t>
@@ -8455,8 +8455,8 @@
                 <a:solidFill>
                   <a:schemeClr val="bg1"/>
                 </a:solidFill>
-                <a:latin typeface="微软雅黑" panose="020B0503020204020204" charset="-122"/>
-                <a:ea typeface="微软雅黑" panose="020B0503020204020204" charset="-122"/>
+                <a:latin typeface="微软雅黑" charset="-122"/>
+                <a:ea typeface="微软雅黑" charset="-122"/>
                 <a:sym typeface="+mn-ea"/>
               </a:rPr>
               <a:t>micro:bit t</a:t>
@@ -8466,8 +8466,8 @@
                 <a:solidFill>
                   <a:schemeClr val="bg1"/>
                 </a:solidFill>
-                <a:latin typeface="微软雅黑" panose="020B0503020204020204" charset="-122"/>
-                <a:ea typeface="微软雅黑" panose="020B0503020204020204" charset="-122"/>
+                <a:latin typeface="微软雅黑" charset="-122"/>
+                <a:ea typeface="微软雅黑" charset="-122"/>
                 <a:sym typeface="+mn-ea"/>
               </a:rPr>
               <a:t>utorial</a:t>
@@ -8476,8 +8476,8 @@
               <a:solidFill>
                 <a:schemeClr val="bg1"/>
               </a:solidFill>
-              <a:latin typeface="微软雅黑" panose="020B0503020204020204" charset="-122"/>
-              <a:ea typeface="微软雅黑" panose="020B0503020204020204" charset="-122"/>
+              <a:latin typeface="微软雅黑" charset="-122"/>
+              <a:ea typeface="微软雅黑" charset="-122"/>
               <a:sym typeface="+mn-ea"/>
             </a:endParaRPr>
           </a:p>
@@ -9401,7 +9401,7 @@
                   <a:schemeClr val="accent2"/>
                 </a:solidFill>
                 <a:latin typeface="+mn-lt"/>
-                <a:ea typeface="微软雅黑" panose="020B0503020204020204" charset="-122"/>
+                <a:ea typeface="微软雅黑" charset="-122"/>
                 <a:cs typeface="+mn-lt"/>
               </a:rPr>
               <a:t>micro</a:t>
@@ -9412,7 +9412,7 @@
                   <a:schemeClr val="accent2"/>
                 </a:solidFill>
                 <a:latin typeface="+mn-lt"/>
-                <a:ea typeface="微软雅黑" panose="020B0503020204020204" charset="-122"/>
+                <a:ea typeface="微软雅黑" charset="-122"/>
                 <a:cs typeface="+mn-lt"/>
               </a:rPr>
               <a:t>：</a:t>
@@ -9423,7 +9423,7 @@
                   <a:schemeClr val="accent2"/>
                 </a:solidFill>
                 <a:latin typeface="+mn-lt"/>
-                <a:ea typeface="微软雅黑" panose="020B0503020204020204" charset="-122"/>
+                <a:ea typeface="微软雅黑" charset="-122"/>
                 <a:cs typeface="+mn-lt"/>
               </a:rPr>
               <a:t>bit p</a:t>
@@ -9434,7 +9434,7 @@
                   <a:schemeClr val="accent2"/>
                 </a:solidFill>
                 <a:latin typeface="+mn-lt"/>
-                <a:ea typeface="微软雅黑" panose="020B0503020204020204" charset="-122"/>
+                <a:ea typeface="微软雅黑" charset="-122"/>
                 <a:cs typeface="+mn-lt"/>
               </a:rPr>
               <a:t>rogramming tutorial</a:t>
@@ -9444,7 +9444,7 @@
                 <a:schemeClr val="accent2"/>
               </a:solidFill>
               <a:latin typeface="+mn-lt"/>
-              <a:ea typeface="微软雅黑" panose="020B0503020204020204" charset="-122"/>
+              <a:ea typeface="微软雅黑" charset="-122"/>
               <a:cs typeface="+mn-lt"/>
             </a:endParaRPr>
           </a:p>
@@ -9846,8 +9846,8 @@
                 <a:solidFill>
                   <a:schemeClr val="bg1"/>
                 </a:solidFill>
-                <a:latin typeface="微软雅黑" panose="020B0503020204020204" charset="-122"/>
-                <a:ea typeface="微软雅黑" panose="020B0503020204020204" charset="-122"/>
+                <a:latin typeface="微软雅黑" charset="-122"/>
+                <a:ea typeface="微软雅黑" charset="-122"/>
                 <a:sym typeface="+mn-ea"/>
               </a:rPr>
               <a:t> Yahboom</a:t>
@@ -9857,8 +9857,8 @@
                 <a:solidFill>
                   <a:schemeClr val="bg1"/>
                 </a:solidFill>
-                <a:latin typeface="微软雅黑" panose="020B0503020204020204" charset="-122"/>
-                <a:ea typeface="微软雅黑" panose="020B0503020204020204" charset="-122"/>
+                <a:latin typeface="微软雅黑" charset="-122"/>
+                <a:ea typeface="微软雅黑" charset="-122"/>
                 <a:sym typeface="+mn-ea"/>
               </a:rPr>
               <a:t>     </a:t>
@@ -9868,8 +9868,8 @@
                 <a:solidFill>
                   <a:schemeClr val="bg1"/>
                 </a:solidFill>
-                <a:latin typeface="微软雅黑" panose="020B0503020204020204" charset="-122"/>
-                <a:ea typeface="微软雅黑" panose="020B0503020204020204" charset="-122"/>
+                <a:latin typeface="微软雅黑" charset="-122"/>
+                <a:ea typeface="微软雅黑" charset="-122"/>
                 <a:sym typeface="+mn-ea"/>
               </a:rPr>
               <a:t>micro:bit t</a:t>
@@ -9879,8 +9879,8 @@
                 <a:solidFill>
                   <a:schemeClr val="bg1"/>
                 </a:solidFill>
-                <a:latin typeface="微软雅黑" panose="020B0503020204020204" charset="-122"/>
-                <a:ea typeface="微软雅黑" panose="020B0503020204020204" charset="-122"/>
+                <a:latin typeface="微软雅黑" charset="-122"/>
+                <a:ea typeface="微软雅黑" charset="-122"/>
                 <a:sym typeface="+mn-ea"/>
               </a:rPr>
               <a:t>utorial</a:t>
@@ -9889,8 +9889,8 @@
               <a:solidFill>
                 <a:schemeClr val="bg1"/>
               </a:solidFill>
-              <a:latin typeface="微软雅黑" panose="020B0503020204020204" charset="-122"/>
-              <a:ea typeface="微软雅黑" panose="020B0503020204020204" charset="-122"/>
+              <a:latin typeface="微软雅黑" charset="-122"/>
+              <a:ea typeface="微软雅黑" charset="-122"/>
               <a:sym typeface="+mn-ea"/>
             </a:endParaRPr>
           </a:p>
@@ -9926,8 +9926,8 @@
                     <a:lumMod val="75000"/>
                   </a:schemeClr>
                 </a:solidFill>
-                <a:latin typeface="Arial" panose="020B0604020202020204" pitchFamily="34" charset="0"/>
-                <a:ea typeface="Arial" panose="020B0604020202020204" pitchFamily="34" charset="0"/>
+                <a:latin typeface="Arial" pitchFamily="34" charset="0"/>
+                <a:ea typeface="Arial" pitchFamily="34" charset="0"/>
                 <a:hlinkClick r:id="rId3" action="ppaction://hlinksldjump"/>
               </a:rPr>
               <a:t>micro:bit introduce</a:t>
@@ -9938,8 +9938,8 @@
                   <a:lumMod val="75000"/>
                 </a:schemeClr>
               </a:solidFill>
-              <a:latin typeface="Arial" panose="020B0604020202020204" pitchFamily="34" charset="0"/>
-              <a:ea typeface="Arial" panose="020B0604020202020204" pitchFamily="34" charset="0"/>
+              <a:latin typeface="Arial" pitchFamily="34" charset="0"/>
+              <a:ea typeface="Arial" pitchFamily="34" charset="0"/>
             </a:endParaRPr>
           </a:p>
         </p:txBody>
@@ -9973,8 +9973,8 @@
                     <a:lumMod val="75000"/>
                   </a:schemeClr>
                 </a:solidFill>
-                <a:latin typeface="Arial" panose="020B0604020202020204" pitchFamily="34" charset="0"/>
-                <a:ea typeface="Arial" panose="020B0604020202020204" pitchFamily="34" charset="0"/>
+                <a:latin typeface="Arial" pitchFamily="34" charset="0"/>
+                <a:ea typeface="Arial" pitchFamily="34" charset="0"/>
                 <a:hlinkClick r:id="rId4" action="ppaction://hlinksldjump"/>
               </a:rPr>
               <a:t>Open programming web</a:t>
@@ -9985,8 +9985,8 @@
                   <a:lumMod val="75000"/>
                 </a:schemeClr>
               </a:solidFill>
-              <a:latin typeface="Arial" panose="020B0604020202020204" pitchFamily="34" charset="0"/>
-              <a:ea typeface="Arial" panose="020B0604020202020204" pitchFamily="34" charset="0"/>
+              <a:latin typeface="Arial" pitchFamily="34" charset="0"/>
+              <a:ea typeface="Arial" pitchFamily="34" charset="0"/>
               <a:hlinkClick r:id="rId4" action="ppaction://hlinksldjump"/>
             </a:endParaRPr>
           </a:p>
@@ -10020,8 +10020,8 @@
                     <a:lumMod val="75000"/>
                   </a:schemeClr>
                 </a:solidFill>
-                <a:latin typeface="Arial" panose="020B0604020202020204" pitchFamily="34" charset="0"/>
-                <a:ea typeface="Arial" panose="020B0604020202020204" pitchFamily="34" charset="0"/>
+                <a:latin typeface="Arial" pitchFamily="34" charset="0"/>
+                <a:ea typeface="Arial" pitchFamily="34" charset="0"/>
                 <a:hlinkClick r:id="rId5" action="ppaction://hlinksldjump"/>
               </a:rPr>
               <a:t>Add YahBoom extension </a:t>
@@ -10032,8 +10032,8 @@
                   <a:lumMod val="75000"/>
                 </a:schemeClr>
               </a:solidFill>
-              <a:latin typeface="Arial" panose="020B0604020202020204" pitchFamily="34" charset="0"/>
-              <a:ea typeface="Arial" panose="020B0604020202020204" pitchFamily="34" charset="0"/>
+              <a:latin typeface="Arial" pitchFamily="34" charset="0"/>
+              <a:ea typeface="Arial" pitchFamily="34" charset="0"/>
               <a:hlinkClick r:id="rId5" action="ppaction://hlinksldjump"/>
             </a:endParaRPr>
           </a:p>
@@ -10067,8 +10067,8 @@
                     <a:lumMod val="75000"/>
                   </a:schemeClr>
                 </a:solidFill>
-                <a:latin typeface="Arial" panose="020B0604020202020204" pitchFamily="34" charset="0"/>
-                <a:ea typeface="Arial" panose="020B0604020202020204" pitchFamily="34" charset="0"/>
+                <a:latin typeface="Arial" pitchFamily="34" charset="0"/>
+                <a:ea typeface="Arial" pitchFamily="34" charset="0"/>
                 <a:hlinkClick r:id="rId6" action="ppaction://hlinksldjump"/>
               </a:rPr>
               <a:t>Downtown </a:t>
@@ -10079,8 +10079,8 @@
                   <a:lumMod val="75000"/>
                 </a:schemeClr>
               </a:solidFill>
-              <a:latin typeface="Arial" panose="020B0604020202020204" pitchFamily="34" charset="0"/>
-              <a:ea typeface="Arial" panose="020B0604020202020204" pitchFamily="34" charset="0"/>
+              <a:latin typeface="Arial" pitchFamily="34" charset="0"/>
+              <a:ea typeface="Arial" pitchFamily="34" charset="0"/>
               <a:hlinkClick r:id="rId6" action="ppaction://hlinksldjump"/>
             </a:endParaRPr>
           </a:p>
@@ -10677,7 +10677,7 @@
                   <a:schemeClr val="accent2"/>
                 </a:solidFill>
                 <a:latin typeface="+mn-lt"/>
-                <a:ea typeface="微软雅黑" panose="020B0503020204020204" charset="-122"/>
+                <a:ea typeface="微软雅黑" charset="-122"/>
                 <a:cs typeface="+mn-lt"/>
               </a:rPr>
               <a:t>micro</a:t>
@@ -10688,7 +10688,7 @@
                   <a:schemeClr val="accent2"/>
                 </a:solidFill>
                 <a:latin typeface="+mn-lt"/>
-                <a:ea typeface="微软雅黑" panose="020B0503020204020204" charset="-122"/>
+                <a:ea typeface="微软雅黑" charset="-122"/>
                 <a:cs typeface="+mn-lt"/>
               </a:rPr>
               <a:t>：</a:t>
@@ -10699,7 +10699,7 @@
                   <a:schemeClr val="accent2"/>
                 </a:solidFill>
                 <a:latin typeface="+mn-lt"/>
-                <a:ea typeface="微软雅黑" panose="020B0503020204020204" charset="-122"/>
+                <a:ea typeface="微软雅黑" charset="-122"/>
                 <a:cs typeface="+mn-lt"/>
               </a:rPr>
               <a:t>bit p</a:t>
@@ -10710,7 +10710,7 @@
                   <a:schemeClr val="accent2"/>
                 </a:solidFill>
                 <a:latin typeface="+mn-lt"/>
-                <a:ea typeface="微软雅黑" panose="020B0503020204020204" charset="-122"/>
+                <a:ea typeface="微软雅黑" charset="-122"/>
                 <a:cs typeface="+mn-lt"/>
               </a:rPr>
               <a:t>rogramming tutorial</a:t>
@@ -10720,7 +10720,7 @@
                 <a:schemeClr val="accent2"/>
               </a:solidFill>
               <a:latin typeface="+mn-lt"/>
-              <a:ea typeface="微软雅黑" panose="020B0503020204020204" charset="-122"/>
+              <a:ea typeface="微软雅黑" charset="-122"/>
               <a:cs typeface="+mn-lt"/>
             </a:endParaRPr>
           </a:p>
@@ -11122,8 +11122,8 @@
                 <a:solidFill>
                   <a:schemeClr val="bg1"/>
                 </a:solidFill>
-                <a:latin typeface="微软雅黑" panose="020B0503020204020204" charset="-122"/>
-                <a:ea typeface="微软雅黑" panose="020B0503020204020204" charset="-122"/>
+                <a:latin typeface="微软雅黑" charset="-122"/>
+                <a:ea typeface="微软雅黑" charset="-122"/>
                 <a:sym typeface="+mn-ea"/>
               </a:rPr>
               <a:t> Yahboom</a:t>
@@ -11133,8 +11133,8 @@
                 <a:solidFill>
                   <a:schemeClr val="bg1"/>
                 </a:solidFill>
-                <a:latin typeface="微软雅黑" panose="020B0503020204020204" charset="-122"/>
-                <a:ea typeface="微软雅黑" panose="020B0503020204020204" charset="-122"/>
+                <a:latin typeface="微软雅黑" charset="-122"/>
+                <a:ea typeface="微软雅黑" charset="-122"/>
                 <a:sym typeface="+mn-ea"/>
               </a:rPr>
               <a:t>     </a:t>
@@ -11144,8 +11144,8 @@
                 <a:solidFill>
                   <a:schemeClr val="bg1"/>
                 </a:solidFill>
-                <a:latin typeface="微软雅黑" panose="020B0503020204020204" charset="-122"/>
-                <a:ea typeface="微软雅黑" panose="020B0503020204020204" charset="-122"/>
+                <a:latin typeface="微软雅黑" charset="-122"/>
+                <a:ea typeface="微软雅黑" charset="-122"/>
                 <a:sym typeface="+mn-ea"/>
               </a:rPr>
               <a:t>micro:bit t</a:t>
@@ -11155,8 +11155,8 @@
                 <a:solidFill>
                   <a:schemeClr val="bg1"/>
                 </a:solidFill>
-                <a:latin typeface="微软雅黑" panose="020B0503020204020204" charset="-122"/>
-                <a:ea typeface="微软雅黑" panose="020B0503020204020204" charset="-122"/>
+                <a:latin typeface="微软雅黑" charset="-122"/>
+                <a:ea typeface="微软雅黑" charset="-122"/>
                 <a:sym typeface="+mn-ea"/>
               </a:rPr>
               <a:t>utorial</a:t>
@@ -11165,8 +11165,8 @@
               <a:solidFill>
                 <a:schemeClr val="bg1"/>
               </a:solidFill>
-              <a:latin typeface="微软雅黑" panose="020B0503020204020204" charset="-122"/>
-              <a:ea typeface="微软雅黑" panose="020B0503020204020204" charset="-122"/>
+              <a:latin typeface="微软雅黑" charset="-122"/>
+              <a:ea typeface="微软雅黑" charset="-122"/>
               <a:sym typeface="+mn-ea"/>
             </a:endParaRPr>
           </a:p>
@@ -11205,8 +11205,8 @@
                     </a:srgbClr>
                   </a:outerShdw>
                 </a:effectLst>
-                <a:latin typeface="Arial" panose="020B0604020202020204" pitchFamily="34" charset="0"/>
-                <a:ea typeface="Arial" panose="020B0604020202020204" pitchFamily="34" charset="0"/>
+                <a:latin typeface="Arial" pitchFamily="34" charset="0"/>
+                <a:ea typeface="Arial" pitchFamily="34" charset="0"/>
                 <a:sym typeface="+mn-ea"/>
               </a:rPr>
               <a:t>What's </a:t>
@@ -11223,8 +11223,8 @@
                     </a:srgbClr>
                   </a:outerShdw>
                 </a:effectLst>
-                <a:latin typeface="Arial" panose="020B0604020202020204" pitchFamily="34" charset="0"/>
-                <a:ea typeface="Arial" panose="020B0604020202020204" pitchFamily="34" charset="0"/>
+                <a:latin typeface="Arial" pitchFamily="34" charset="0"/>
+                <a:ea typeface="Arial" pitchFamily="34" charset="0"/>
                 <a:sym typeface="+mn-ea"/>
               </a:rPr>
               <a:t>micro:bit</a:t>
@@ -11241,8 +11241,8 @@
                     </a:srgbClr>
                   </a:outerShdw>
                 </a:effectLst>
-                <a:latin typeface="Arial" panose="020B0604020202020204" pitchFamily="34" charset="0"/>
-                <a:ea typeface="Arial" panose="020B0604020202020204" pitchFamily="34" charset="0"/>
+                <a:latin typeface="Arial" pitchFamily="34" charset="0"/>
+                <a:ea typeface="Arial" pitchFamily="34" charset="0"/>
                 <a:sym typeface="+mn-ea"/>
               </a:rPr>
               <a:t>?</a:t>
@@ -11280,8 +11280,8 @@
                     <a:lumMod val="75000"/>
                   </a:schemeClr>
                 </a:solidFill>
-                <a:latin typeface="微软雅黑 Light" panose="020B0502040204020203" charset="-122"/>
-                <a:ea typeface="微软雅黑 Light" panose="020B0502040204020203" charset="-122"/>
+                <a:latin typeface="微软雅黑 Light" charset="-122"/>
+                <a:ea typeface="微软雅黑 Light" charset="-122"/>
               </a:rPr>
               <a:t>       </a:t>
             </a:r>
@@ -11292,8 +11292,8 @@
                     <a:lumMod val="75000"/>
                   </a:schemeClr>
                 </a:solidFill>
-                <a:latin typeface="Arial" panose="020B0604020202020204" pitchFamily="34" charset="0"/>
-                <a:ea typeface="Arial" panose="020B0604020202020204" pitchFamily="34" charset="0"/>
+                <a:latin typeface="Arial" pitchFamily="34" charset="0"/>
+                <a:ea typeface="Arial" pitchFamily="34" charset="0"/>
               </a:rPr>
               <a:t>Micro:</a:t>
             </a:r>
@@ -11304,8 +11304,8 @@
                     <a:lumMod val="75000"/>
                   </a:schemeClr>
                 </a:solidFill>
-                <a:latin typeface="Arial" panose="020B0604020202020204" pitchFamily="34" charset="0"/>
-                <a:ea typeface="Arial" panose="020B0604020202020204" pitchFamily="34" charset="0"/>
+                <a:latin typeface="Arial" pitchFamily="34" charset="0"/>
+                <a:ea typeface="Arial" pitchFamily="34" charset="0"/>
               </a:rPr>
               <a:t>Bit is a microcomputer designed by the </a:t>
             </a:r>
@@ -11316,8 +11316,8 @@
                     <a:lumMod val="75000"/>
                   </a:schemeClr>
                 </a:solidFill>
-                <a:latin typeface="Arial" panose="020B0604020202020204" pitchFamily="34" charset="0"/>
-                <a:ea typeface="Arial" panose="020B0604020202020204" pitchFamily="34" charset="0"/>
+                <a:latin typeface="Arial" pitchFamily="34" charset="0"/>
+                <a:ea typeface="Arial" pitchFamily="34" charset="0"/>
               </a:rPr>
               <a:t>BBC </a:t>
             </a:r>
@@ -11328,8 +11328,8 @@
                     <a:lumMod val="75000"/>
                   </a:schemeClr>
                 </a:solidFill>
-                <a:latin typeface="Arial" panose="020B0604020202020204" pitchFamily="34" charset="0"/>
-                <a:ea typeface="Arial" panose="020B0604020202020204" pitchFamily="34" charset="0"/>
+                <a:latin typeface="Arial" pitchFamily="34" charset="0"/>
+                <a:ea typeface="Arial" pitchFamily="34" charset="0"/>
               </a:rPr>
               <a:t>for adolescent programming education, which is developed by Microsoft, Samsung, ARM, University of Lancaster, UK and so on.</a:t>
             </a:r>
@@ -11339,8 +11339,8 @@
                   <a:lumMod val="75000"/>
                 </a:schemeClr>
               </a:solidFill>
-              <a:latin typeface="Arial" panose="020B0604020202020204" pitchFamily="34" charset="0"/>
-              <a:ea typeface="Arial" panose="020B0604020202020204" pitchFamily="34" charset="0"/>
+              <a:latin typeface="Arial" pitchFamily="34" charset="0"/>
+              <a:ea typeface="Arial" pitchFamily="34" charset="0"/>
             </a:endParaRPr>
           </a:p>
         </p:txBody>
@@ -11912,7 +11912,7 @@
                   <a:schemeClr val="accent2"/>
                 </a:solidFill>
                 <a:latin typeface="+mn-lt"/>
-                <a:ea typeface="微软雅黑" panose="020B0503020204020204" charset="-122"/>
+                <a:ea typeface="微软雅黑" charset="-122"/>
                 <a:cs typeface="+mn-lt"/>
               </a:rPr>
               <a:t>micro</a:t>
@@ -11923,7 +11923,7 @@
                   <a:schemeClr val="accent2"/>
                 </a:solidFill>
                 <a:latin typeface="+mn-lt"/>
-                <a:ea typeface="微软雅黑" panose="020B0503020204020204" charset="-122"/>
+                <a:ea typeface="微软雅黑" charset="-122"/>
                 <a:cs typeface="+mn-lt"/>
               </a:rPr>
               <a:t>：</a:t>
@@ -11934,7 +11934,7 @@
                   <a:schemeClr val="accent2"/>
                 </a:solidFill>
                 <a:latin typeface="+mn-lt"/>
-                <a:ea typeface="微软雅黑" panose="020B0503020204020204" charset="-122"/>
+                <a:ea typeface="微软雅黑" charset="-122"/>
                 <a:cs typeface="+mn-lt"/>
               </a:rPr>
               <a:t>bit p</a:t>
@@ -11945,7 +11945,7 @@
                   <a:schemeClr val="accent2"/>
                 </a:solidFill>
                 <a:latin typeface="+mn-lt"/>
-                <a:ea typeface="微软雅黑" panose="020B0503020204020204" charset="-122"/>
+                <a:ea typeface="微软雅黑" charset="-122"/>
                 <a:cs typeface="+mn-lt"/>
               </a:rPr>
               <a:t>rogramming tutorial</a:t>
@@ -11955,7 +11955,7 @@
                 <a:schemeClr val="accent2"/>
               </a:solidFill>
               <a:latin typeface="+mn-lt"/>
-              <a:ea typeface="微软雅黑" panose="020B0503020204020204" charset="-122"/>
+              <a:ea typeface="微软雅黑" charset="-122"/>
               <a:cs typeface="+mn-lt"/>
             </a:endParaRPr>
           </a:p>
@@ -12357,8 +12357,8 @@
                 <a:solidFill>
                   <a:schemeClr val="bg1"/>
                 </a:solidFill>
-                <a:latin typeface="微软雅黑" panose="020B0503020204020204" charset="-122"/>
-                <a:ea typeface="微软雅黑" panose="020B0503020204020204" charset="-122"/>
+                <a:latin typeface="微软雅黑" charset="-122"/>
+                <a:ea typeface="微软雅黑" charset="-122"/>
                 <a:sym typeface="+mn-ea"/>
               </a:rPr>
               <a:t> Yahboom</a:t>
@@ -12368,8 +12368,8 @@
                 <a:solidFill>
                   <a:schemeClr val="bg1"/>
                 </a:solidFill>
-                <a:latin typeface="微软雅黑" panose="020B0503020204020204" charset="-122"/>
-                <a:ea typeface="微软雅黑" panose="020B0503020204020204" charset="-122"/>
+                <a:latin typeface="微软雅黑" charset="-122"/>
+                <a:ea typeface="微软雅黑" charset="-122"/>
                 <a:sym typeface="+mn-ea"/>
               </a:rPr>
               <a:t>     </a:t>
@@ -12379,8 +12379,8 @@
                 <a:solidFill>
                   <a:schemeClr val="bg1"/>
                 </a:solidFill>
-                <a:latin typeface="微软雅黑" panose="020B0503020204020204" charset="-122"/>
-                <a:ea typeface="微软雅黑" panose="020B0503020204020204" charset="-122"/>
+                <a:latin typeface="微软雅黑" charset="-122"/>
+                <a:ea typeface="微软雅黑" charset="-122"/>
                 <a:sym typeface="+mn-ea"/>
               </a:rPr>
               <a:t>micro:bit t</a:t>
@@ -12390,8 +12390,8 @@
                 <a:solidFill>
                   <a:schemeClr val="bg1"/>
                 </a:solidFill>
-                <a:latin typeface="微软雅黑" panose="020B0503020204020204" charset="-122"/>
-                <a:ea typeface="微软雅黑" panose="020B0503020204020204" charset="-122"/>
+                <a:latin typeface="微软雅黑" charset="-122"/>
+                <a:ea typeface="微软雅黑" charset="-122"/>
                 <a:sym typeface="+mn-ea"/>
               </a:rPr>
               <a:t>utorial</a:t>
@@ -12400,8 +12400,8 @@
               <a:solidFill>
                 <a:schemeClr val="bg1"/>
               </a:solidFill>
-              <a:latin typeface="微软雅黑" panose="020B0503020204020204" charset="-122"/>
-              <a:ea typeface="微软雅黑" panose="020B0503020204020204" charset="-122"/>
+              <a:latin typeface="微软雅黑" charset="-122"/>
+              <a:ea typeface="微软雅黑" charset="-122"/>
               <a:sym typeface="+mn-ea"/>
             </a:endParaRPr>
           </a:p>
@@ -13046,8 +13046,8 @@
                     </a:srgbClr>
                   </a:outerShdw>
                 </a:effectLst>
-                <a:latin typeface="Arial" panose="020B0604020202020204" pitchFamily="34" charset="0"/>
-                <a:ea typeface="Arial" panose="020B0604020202020204" pitchFamily="34" charset="0"/>
+                <a:latin typeface="Arial" pitchFamily="34" charset="0"/>
+                <a:ea typeface="Arial" pitchFamily="34" charset="0"/>
                 <a:sym typeface="+mn-ea"/>
               </a:rPr>
               <a:t>1.</a:t>
@@ -13064,8 +13064,8 @@
                     </a:srgbClr>
                   </a:outerShdw>
                 </a:effectLst>
-                <a:latin typeface="Arial" panose="020B0604020202020204" pitchFamily="34" charset="0"/>
-                <a:ea typeface="Arial" panose="020B0604020202020204" pitchFamily="34" charset="0"/>
+                <a:latin typeface="Arial" pitchFamily="34" charset="0"/>
+                <a:ea typeface="Arial" pitchFamily="34" charset="0"/>
                 <a:sym typeface="+mn-ea"/>
               </a:rPr>
               <a:t>First, you use the </a:t>
@@ -13082,8 +13082,8 @@
                     </a:srgbClr>
                   </a:outerShdw>
                 </a:effectLst>
-                <a:latin typeface="Arial" panose="020B0604020202020204" pitchFamily="34" charset="0"/>
-                <a:ea typeface="Arial" panose="020B0604020202020204" pitchFamily="34" charset="0"/>
+                <a:latin typeface="Arial" pitchFamily="34" charset="0"/>
+                <a:ea typeface="Arial" pitchFamily="34" charset="0"/>
                 <a:sym typeface="+mn-ea"/>
               </a:rPr>
               <a:t>USB cable</a:t>
@@ -13100,8 +13100,8 @@
                     </a:srgbClr>
                   </a:outerShdw>
                 </a:effectLst>
-                <a:latin typeface="Arial" panose="020B0604020202020204" pitchFamily="34" charset="0"/>
-                <a:ea typeface="Arial" panose="020B0604020202020204" pitchFamily="34" charset="0"/>
+                <a:latin typeface="Arial" pitchFamily="34" charset="0"/>
+                <a:ea typeface="Arial" pitchFamily="34" charset="0"/>
                 <a:sym typeface="+mn-ea"/>
               </a:rPr>
               <a:t> to connect the micro:bit to the computer</a:t>
@@ -13118,8 +13118,8 @@
                     </a:srgbClr>
                   </a:outerShdw>
                 </a:effectLst>
-                <a:latin typeface="Arial" panose="020B0604020202020204" pitchFamily="34" charset="0"/>
-                <a:ea typeface="Arial" panose="020B0604020202020204" pitchFamily="34" charset="0"/>
+                <a:latin typeface="Arial" pitchFamily="34" charset="0"/>
+                <a:ea typeface="Arial" pitchFamily="34" charset="0"/>
                 <a:sym typeface="+mn-ea"/>
               </a:rPr>
               <a:t>, a</a:t>
@@ -13136,8 +13136,8 @@
                     </a:srgbClr>
                   </a:outerShdw>
                 </a:effectLst>
-                <a:latin typeface="Arial" panose="020B0604020202020204" pitchFamily="34" charset="0"/>
-                <a:ea typeface="Arial" panose="020B0604020202020204" pitchFamily="34" charset="0"/>
+                <a:latin typeface="Arial" pitchFamily="34" charset="0"/>
+                <a:ea typeface="Arial" pitchFamily="34" charset="0"/>
                 <a:sym typeface="+mn-ea"/>
               </a:rPr>
               <a:t>t this point, the computer will have a micro:bit U disk.</a:t>
@@ -13154,8 +13154,8 @@
                     </a:srgbClr>
                   </a:outerShdw>
                 </a:effectLst>
-                <a:latin typeface="Arial" panose="020B0604020202020204" pitchFamily="34" charset="0"/>
-                <a:ea typeface="Arial" panose="020B0604020202020204" pitchFamily="34" charset="0"/>
+                <a:latin typeface="Arial" pitchFamily="34" charset="0"/>
+                <a:ea typeface="Arial" pitchFamily="34" charset="0"/>
                 <a:sym typeface="+mn-ea"/>
               </a:rPr>
               <a:t> </a:t>
@@ -13172,8 +13172,8 @@
                     </a:srgbClr>
                   </a:outerShdw>
                 </a:effectLst>
-                <a:latin typeface="Arial" panose="020B0604020202020204" pitchFamily="34" charset="0"/>
-                <a:ea typeface="Arial" panose="020B0604020202020204" pitchFamily="34" charset="0"/>
+                <a:latin typeface="Arial" pitchFamily="34" charset="0"/>
+                <a:ea typeface="Arial" pitchFamily="34" charset="0"/>
                 <a:sym typeface="+mn-ea"/>
               </a:rPr>
               <a:t>Open it,  click micro:bit</a:t>
@@ -13190,8 +13190,8 @@
                     </a:srgbClr>
                   </a:outerShdw>
                 </a:effectLst>
-                <a:latin typeface="Arial" panose="020B0604020202020204" pitchFamily="34" charset="0"/>
-                <a:ea typeface="Arial" panose="020B0604020202020204" pitchFamily="34" charset="0"/>
+                <a:latin typeface="Arial" pitchFamily="34" charset="0"/>
+                <a:ea typeface="Arial" pitchFamily="34" charset="0"/>
                 <a:sym typeface="+mn-ea"/>
               </a:rPr>
               <a:t> </a:t>
@@ -13208,8 +13208,8 @@
                     </a:srgbClr>
                   </a:outerShdw>
                 </a:effectLst>
-                <a:latin typeface="Arial" panose="020B0604020202020204" pitchFamily="34" charset="0"/>
-                <a:ea typeface="Arial" panose="020B0604020202020204" pitchFamily="34" charset="0"/>
+                <a:latin typeface="Arial" pitchFamily="34" charset="0"/>
+                <a:ea typeface="Arial" pitchFamily="34" charset="0"/>
                 <a:sym typeface="+mn-ea"/>
               </a:rPr>
               <a:t>website, then entered the micro:bit</a:t>
@@ -13226,8 +13226,8 @@
                     </a:srgbClr>
                   </a:outerShdw>
                 </a:effectLst>
-                <a:latin typeface="Arial" panose="020B0604020202020204" pitchFamily="34" charset="0"/>
-                <a:ea typeface="Arial" panose="020B0604020202020204" pitchFamily="34" charset="0"/>
+                <a:latin typeface="Arial" pitchFamily="34" charset="0"/>
+                <a:ea typeface="Arial" pitchFamily="34" charset="0"/>
                 <a:sym typeface="+mn-ea"/>
               </a:rPr>
               <a:t> </a:t>
@@ -13244,8 +13244,8 @@
                     </a:srgbClr>
                   </a:outerShdw>
                 </a:effectLst>
-                <a:latin typeface="Arial" panose="020B0604020202020204" pitchFamily="34" charset="0"/>
-                <a:ea typeface="Arial" panose="020B0604020202020204" pitchFamily="34" charset="0"/>
+                <a:latin typeface="Arial" pitchFamily="34" charset="0"/>
+                <a:ea typeface="Arial" pitchFamily="34" charset="0"/>
                 <a:sym typeface="+mn-ea"/>
               </a:rPr>
               <a:t>website </a:t>
@@ -13519,8 +13519,8 @@
                     <a:lumMod val="75000"/>
                   </a:schemeClr>
                 </a:solidFill>
-                <a:latin typeface="Arial" panose="020B0604020202020204" pitchFamily="34" charset="0"/>
-                <a:ea typeface="Arial" panose="020B0604020202020204" pitchFamily="34" charset="0"/>
+                <a:latin typeface="Arial" pitchFamily="34" charset="0"/>
+                <a:ea typeface="Arial" pitchFamily="34" charset="0"/>
                 <a:sym typeface="+mn-ea"/>
               </a:rPr>
               <a:t>How to open a programming web page?</a:t>
@@ -13531,8 +13531,8 @@
                   <a:lumMod val="75000"/>
                 </a:schemeClr>
               </a:solidFill>
-              <a:latin typeface="Arial" panose="020B0604020202020204" pitchFamily="34" charset="0"/>
-              <a:ea typeface="Arial" panose="020B0604020202020204" pitchFamily="34" charset="0"/>
+              <a:latin typeface="Arial" pitchFamily="34" charset="0"/>
+              <a:ea typeface="Arial" pitchFamily="34" charset="0"/>
             </a:endParaRPr>
           </a:p>
           <a:p>
@@ -13542,8 +13542,8 @@
                   <a:lumMod val="75000"/>
                 </a:schemeClr>
               </a:solidFill>
-              <a:latin typeface="Arial" panose="020B0604020202020204" pitchFamily="34" charset="0"/>
-              <a:ea typeface="Arial" panose="020B0604020202020204" pitchFamily="34" charset="0"/>
+              <a:latin typeface="Arial" pitchFamily="34" charset="0"/>
+              <a:ea typeface="Arial" pitchFamily="34" charset="0"/>
             </a:endParaRPr>
           </a:p>
         </p:txBody>
@@ -13574,7 +13574,7 @@
                   <a:schemeClr val="accent2"/>
                 </a:solidFill>
                 <a:latin typeface="+mn-lt"/>
-                <a:ea typeface="微软雅黑" panose="020B0503020204020204" charset="-122"/>
+                <a:ea typeface="微软雅黑" charset="-122"/>
                 <a:cs typeface="+mn-lt"/>
               </a:rPr>
               <a:t>micro</a:t>
@@ -13585,7 +13585,7 @@
                   <a:schemeClr val="accent2"/>
                 </a:solidFill>
                 <a:latin typeface="+mn-lt"/>
-                <a:ea typeface="微软雅黑" panose="020B0503020204020204" charset="-122"/>
+                <a:ea typeface="微软雅黑" charset="-122"/>
                 <a:cs typeface="+mn-lt"/>
               </a:rPr>
               <a:t>：</a:t>
@@ -13596,7 +13596,7 @@
                   <a:schemeClr val="accent2"/>
                 </a:solidFill>
                 <a:latin typeface="+mn-lt"/>
-                <a:ea typeface="微软雅黑" panose="020B0503020204020204" charset="-122"/>
+                <a:ea typeface="微软雅黑" charset="-122"/>
                 <a:cs typeface="+mn-lt"/>
               </a:rPr>
               <a:t>bit p</a:t>
@@ -13607,7 +13607,7 @@
                   <a:schemeClr val="accent2"/>
                 </a:solidFill>
                 <a:latin typeface="+mn-lt"/>
-                <a:ea typeface="微软雅黑" panose="020B0503020204020204" charset="-122"/>
+                <a:ea typeface="微软雅黑" charset="-122"/>
                 <a:cs typeface="+mn-lt"/>
               </a:rPr>
               <a:t>rogramming tutorial</a:t>
@@ -13617,7 +13617,7 @@
                 <a:schemeClr val="accent2"/>
               </a:solidFill>
               <a:latin typeface="+mn-lt"/>
-              <a:ea typeface="微软雅黑" panose="020B0503020204020204" charset="-122"/>
+              <a:ea typeface="微软雅黑" charset="-122"/>
               <a:cs typeface="+mn-lt"/>
             </a:endParaRPr>
           </a:p>
@@ -14019,8 +14019,8 @@
                 <a:solidFill>
                   <a:schemeClr val="bg1"/>
                 </a:solidFill>
-                <a:latin typeface="微软雅黑" panose="020B0503020204020204" charset="-122"/>
-                <a:ea typeface="微软雅黑" panose="020B0503020204020204" charset="-122"/>
+                <a:latin typeface="微软雅黑" charset="-122"/>
+                <a:ea typeface="微软雅黑" charset="-122"/>
                 <a:sym typeface="+mn-ea"/>
               </a:rPr>
               <a:t> Yahboom</a:t>
@@ -14030,8 +14030,8 @@
                 <a:solidFill>
                   <a:schemeClr val="bg1"/>
                 </a:solidFill>
-                <a:latin typeface="微软雅黑" panose="020B0503020204020204" charset="-122"/>
-                <a:ea typeface="微软雅黑" panose="020B0503020204020204" charset="-122"/>
+                <a:latin typeface="微软雅黑" charset="-122"/>
+                <a:ea typeface="微软雅黑" charset="-122"/>
                 <a:sym typeface="+mn-ea"/>
               </a:rPr>
               <a:t>     </a:t>
@@ -14041,8 +14041,8 @@
                 <a:solidFill>
                   <a:schemeClr val="bg1"/>
                 </a:solidFill>
-                <a:latin typeface="微软雅黑" panose="020B0503020204020204" charset="-122"/>
-                <a:ea typeface="微软雅黑" panose="020B0503020204020204" charset="-122"/>
+                <a:latin typeface="微软雅黑" charset="-122"/>
+                <a:ea typeface="微软雅黑" charset="-122"/>
                 <a:sym typeface="+mn-ea"/>
               </a:rPr>
               <a:t>micro:bit t</a:t>
@@ -14052,8 +14052,8 @@
                 <a:solidFill>
                   <a:schemeClr val="bg1"/>
                 </a:solidFill>
-                <a:latin typeface="微软雅黑" panose="020B0503020204020204" charset="-122"/>
-                <a:ea typeface="微软雅黑" panose="020B0503020204020204" charset="-122"/>
+                <a:latin typeface="微软雅黑" charset="-122"/>
+                <a:ea typeface="微软雅黑" charset="-122"/>
                 <a:sym typeface="+mn-ea"/>
               </a:rPr>
               <a:t>utorial</a:t>
@@ -14062,8 +14062,8 @@
               <a:solidFill>
                 <a:schemeClr val="bg1"/>
               </a:solidFill>
-              <a:latin typeface="微软雅黑" panose="020B0503020204020204" charset="-122"/>
-              <a:ea typeface="微软雅黑" panose="020B0503020204020204" charset="-122"/>
+              <a:latin typeface="微软雅黑" charset="-122"/>
+              <a:ea typeface="微软雅黑" charset="-122"/>
               <a:sym typeface="+mn-ea"/>
             </a:endParaRPr>
           </a:p>
@@ -14660,8 +14660,8 @@
                     </a:srgbClr>
                   </a:outerShdw>
                 </a:effectLst>
-                <a:latin typeface="Arial" panose="020B0604020202020204" pitchFamily="34" charset="0"/>
-                <a:ea typeface="Arial" panose="020B0604020202020204" pitchFamily="34" charset="0"/>
+                <a:latin typeface="Arial" pitchFamily="34" charset="0"/>
+                <a:ea typeface="Arial" pitchFamily="34" charset="0"/>
                 <a:sym typeface="+mn-ea"/>
               </a:rPr>
               <a:t>2.</a:t>
@@ -14678,8 +14678,8 @@
                     </a:srgbClr>
                   </a:outerShdw>
                 </a:effectLst>
-                <a:latin typeface="Arial" panose="020B0604020202020204" pitchFamily="34" charset="0"/>
-                <a:ea typeface="Arial" panose="020B0604020202020204" pitchFamily="34" charset="0"/>
+                <a:latin typeface="Arial" pitchFamily="34" charset="0"/>
+                <a:ea typeface="Arial" pitchFamily="34" charset="0"/>
                 <a:sym typeface="+mn-ea"/>
               </a:rPr>
               <a:t>After entering the micro:bit,</a:t>
@@ -14695,8 +14695,8 @@
                   </a:srgbClr>
                 </a:outerShdw>
               </a:effectLst>
-              <a:latin typeface="Arial" panose="020B0604020202020204" pitchFamily="34" charset="0"/>
-              <a:ea typeface="Arial" panose="020B0604020202020204" pitchFamily="34" charset="0"/>
+              <a:latin typeface="Arial" pitchFamily="34" charset="0"/>
+              <a:ea typeface="Arial" pitchFamily="34" charset="0"/>
               <a:sym typeface="+mn-ea"/>
             </a:endParaRPr>
           </a:p>
@@ -14713,8 +14713,8 @@
                     </a:srgbClr>
                   </a:outerShdw>
                 </a:effectLst>
-                <a:latin typeface="Arial" panose="020B0604020202020204" pitchFamily="34" charset="0"/>
-                <a:ea typeface="Arial" panose="020B0604020202020204" pitchFamily="34" charset="0"/>
+                <a:latin typeface="Arial" pitchFamily="34" charset="0"/>
+                <a:ea typeface="Arial" pitchFamily="34" charset="0"/>
                 <a:sym typeface="+mn-ea"/>
               </a:rPr>
               <a:t> click </a:t>
@@ -14731,8 +14731,8 @@
                     </a:srgbClr>
                   </a:outerShdw>
                 </a:effectLst>
-                <a:latin typeface="Arial" panose="020B0604020202020204" pitchFamily="34" charset="0"/>
-                <a:ea typeface="Arial" panose="020B0604020202020204" pitchFamily="34" charset="0"/>
+                <a:latin typeface="Arial" pitchFamily="34" charset="0"/>
+                <a:ea typeface="Arial" pitchFamily="34" charset="0"/>
                 <a:sym typeface="+mn-ea"/>
               </a:rPr>
               <a:t>Let's Code</a:t>
@@ -14748,8 +14748,8 @@
                   </a:srgbClr>
                 </a:outerShdw>
               </a:effectLst>
-              <a:latin typeface="Arial" panose="020B0604020202020204" pitchFamily="34" charset="0"/>
-              <a:ea typeface="Arial" panose="020B0604020202020204" pitchFamily="34" charset="0"/>
+              <a:latin typeface="Arial" pitchFamily="34" charset="0"/>
+              <a:ea typeface="Arial" pitchFamily="34" charset="0"/>
               <a:sym typeface="+mn-ea"/>
             </a:endParaRPr>
           </a:p>
@@ -15007,8 +15007,8 @@
                     <a:lumMod val="75000"/>
                   </a:schemeClr>
                 </a:solidFill>
-                <a:latin typeface="Arial" panose="020B0604020202020204" pitchFamily="34" charset="0"/>
-                <a:ea typeface="Arial" panose="020B0604020202020204" pitchFamily="34" charset="0"/>
+                <a:latin typeface="Arial" pitchFamily="34" charset="0"/>
+                <a:ea typeface="Arial" pitchFamily="34" charset="0"/>
                 <a:sym typeface="+mn-ea"/>
               </a:rPr>
               <a:t>How to open a programming web page?</a:t>
@@ -15019,8 +15019,8 @@
                   <a:lumMod val="75000"/>
                 </a:schemeClr>
               </a:solidFill>
-              <a:latin typeface="Arial" panose="020B0604020202020204" pitchFamily="34" charset="0"/>
-              <a:ea typeface="Arial" panose="020B0604020202020204" pitchFamily="34" charset="0"/>
+              <a:latin typeface="Arial" pitchFamily="34" charset="0"/>
+              <a:ea typeface="Arial" pitchFamily="34" charset="0"/>
             </a:endParaRPr>
           </a:p>
           <a:p>
@@ -15030,8 +15030,8 @@
                   <a:lumMod val="75000"/>
                 </a:schemeClr>
               </a:solidFill>
-              <a:latin typeface="Arial" panose="020B0604020202020204" pitchFamily="34" charset="0"/>
-              <a:ea typeface="Arial" panose="020B0604020202020204" pitchFamily="34" charset="0"/>
+              <a:latin typeface="Arial" pitchFamily="34" charset="0"/>
+              <a:ea typeface="Arial" pitchFamily="34" charset="0"/>
               <a:sym typeface="+mn-ea"/>
             </a:endParaRPr>
           </a:p>
@@ -15084,7 +15084,7 @@
                   <a:schemeClr val="accent2"/>
                 </a:solidFill>
                 <a:latin typeface="+mn-lt"/>
-                <a:ea typeface="微软雅黑" panose="020B0503020204020204" charset="-122"/>
+                <a:ea typeface="微软雅黑" charset="-122"/>
                 <a:cs typeface="+mn-lt"/>
               </a:rPr>
               <a:t>micro</a:t>
@@ -15095,7 +15095,7 @@
                   <a:schemeClr val="accent2"/>
                 </a:solidFill>
                 <a:latin typeface="+mn-lt"/>
-                <a:ea typeface="微软雅黑" panose="020B0503020204020204" charset="-122"/>
+                <a:ea typeface="微软雅黑" charset="-122"/>
                 <a:cs typeface="+mn-lt"/>
               </a:rPr>
               <a:t>：</a:t>
@@ -15106,7 +15106,7 @@
                   <a:schemeClr val="accent2"/>
                 </a:solidFill>
                 <a:latin typeface="+mn-lt"/>
-                <a:ea typeface="微软雅黑" panose="020B0503020204020204" charset="-122"/>
+                <a:ea typeface="微软雅黑" charset="-122"/>
                 <a:cs typeface="+mn-lt"/>
               </a:rPr>
               <a:t>bit p</a:t>
@@ -15117,7 +15117,7 @@
                   <a:schemeClr val="accent2"/>
                 </a:solidFill>
                 <a:latin typeface="+mn-lt"/>
-                <a:ea typeface="微软雅黑" panose="020B0503020204020204" charset="-122"/>
+                <a:ea typeface="微软雅黑" charset="-122"/>
                 <a:cs typeface="+mn-lt"/>
               </a:rPr>
               <a:t>rogramming tutorial</a:t>
@@ -15127,7 +15127,7 @@
                 <a:schemeClr val="accent2"/>
               </a:solidFill>
               <a:latin typeface="+mn-lt"/>
-              <a:ea typeface="微软雅黑" panose="020B0503020204020204" charset="-122"/>
+              <a:ea typeface="微软雅黑" charset="-122"/>
               <a:cs typeface="+mn-lt"/>
             </a:endParaRPr>
           </a:p>
@@ -15529,8 +15529,8 @@
                 <a:solidFill>
                   <a:schemeClr val="bg1"/>
                 </a:solidFill>
-                <a:latin typeface="微软雅黑" panose="020B0503020204020204" charset="-122"/>
-                <a:ea typeface="微软雅黑" panose="020B0503020204020204" charset="-122"/>
+                <a:latin typeface="微软雅黑" charset="-122"/>
+                <a:ea typeface="微软雅黑" charset="-122"/>
                 <a:sym typeface="+mn-ea"/>
               </a:rPr>
               <a:t> Yahboom</a:t>
@@ -15540,8 +15540,8 @@
                 <a:solidFill>
                   <a:schemeClr val="bg1"/>
                 </a:solidFill>
-                <a:latin typeface="微软雅黑" panose="020B0503020204020204" charset="-122"/>
-                <a:ea typeface="微软雅黑" panose="020B0503020204020204" charset="-122"/>
+                <a:latin typeface="微软雅黑" charset="-122"/>
+                <a:ea typeface="微软雅黑" charset="-122"/>
                 <a:sym typeface="+mn-ea"/>
               </a:rPr>
               <a:t>     </a:t>
@@ -15551,8 +15551,8 @@
                 <a:solidFill>
                   <a:schemeClr val="bg1"/>
                 </a:solidFill>
-                <a:latin typeface="微软雅黑" panose="020B0503020204020204" charset="-122"/>
-                <a:ea typeface="微软雅黑" panose="020B0503020204020204" charset="-122"/>
+                <a:latin typeface="微软雅黑" charset="-122"/>
+                <a:ea typeface="微软雅黑" charset="-122"/>
                 <a:sym typeface="+mn-ea"/>
               </a:rPr>
               <a:t>micro:bit t</a:t>
@@ -15562,8 +15562,8 @@
                 <a:solidFill>
                   <a:schemeClr val="bg1"/>
                 </a:solidFill>
-                <a:latin typeface="微软雅黑" panose="020B0503020204020204" charset="-122"/>
-                <a:ea typeface="微软雅黑" panose="020B0503020204020204" charset="-122"/>
+                <a:latin typeface="微软雅黑" charset="-122"/>
+                <a:ea typeface="微软雅黑" charset="-122"/>
                 <a:sym typeface="+mn-ea"/>
               </a:rPr>
               <a:t>utorial</a:t>
@@ -15572,8 +15572,8 @@
               <a:solidFill>
                 <a:schemeClr val="bg1"/>
               </a:solidFill>
-              <a:latin typeface="微软雅黑" panose="020B0503020204020204" charset="-122"/>
-              <a:ea typeface="微软雅黑" panose="020B0503020204020204" charset="-122"/>
+              <a:latin typeface="微软雅黑" charset="-122"/>
+              <a:ea typeface="微软雅黑" charset="-122"/>
               <a:sym typeface="+mn-ea"/>
             </a:endParaRPr>
           </a:p>
@@ -16418,8 +16418,8 @@
                     </a:srgbClr>
                   </a:outerShdw>
                 </a:effectLst>
-                <a:latin typeface="Arial" panose="020B0604020202020204" pitchFamily="34" charset="0"/>
-                <a:ea typeface="Arial" panose="020B0604020202020204" pitchFamily="34" charset="0"/>
+                <a:latin typeface="Arial" pitchFamily="34" charset="0"/>
+                <a:ea typeface="Arial" pitchFamily="34" charset="0"/>
                 <a:sym typeface="+mn-ea"/>
               </a:rPr>
               <a:t>When you get into a new page, click on the screen below [</a:t>
@@ -16436,8 +16436,8 @@
                     </a:srgbClr>
                   </a:outerShdw>
                 </a:effectLst>
-                <a:latin typeface="Arial" panose="020B0604020202020204" pitchFamily="34" charset="0"/>
-                <a:ea typeface="Arial" panose="020B0604020202020204" pitchFamily="34" charset="0"/>
+                <a:latin typeface="Arial" pitchFamily="34" charset="0"/>
+                <a:ea typeface="Arial" pitchFamily="34" charset="0"/>
                 <a:sym typeface="+mn-ea"/>
               </a:rPr>
               <a:t>L</a:t>
@@ -16454,8 +16454,8 @@
                     </a:srgbClr>
                   </a:outerShdw>
                 </a:effectLst>
-                <a:latin typeface="Arial" panose="020B0604020202020204" pitchFamily="34" charset="0"/>
-                <a:ea typeface="Arial" panose="020B0604020202020204" pitchFamily="34" charset="0"/>
+                <a:latin typeface="Arial" pitchFamily="34" charset="0"/>
+                <a:ea typeface="Arial" pitchFamily="34" charset="0"/>
                 <a:sym typeface="+mn-ea"/>
               </a:rPr>
               <a:t>et's </a:t>
@@ -16472,8 +16472,8 @@
                     </a:srgbClr>
                   </a:outerShdw>
                 </a:effectLst>
-                <a:latin typeface="Arial" panose="020B0604020202020204" pitchFamily="34" charset="0"/>
-                <a:ea typeface="Arial" panose="020B0604020202020204" pitchFamily="34" charset="0"/>
+                <a:latin typeface="Arial" pitchFamily="34" charset="0"/>
+                <a:ea typeface="Arial" pitchFamily="34" charset="0"/>
                 <a:sym typeface="+mn-ea"/>
               </a:rPr>
               <a:t>Code</a:t>
@@ -16490,8 +16490,8 @@
                     </a:srgbClr>
                   </a:outerShdw>
                 </a:effectLst>
-                <a:latin typeface="Arial" panose="020B0604020202020204" pitchFamily="34" charset="0"/>
-                <a:ea typeface="Arial" panose="020B0604020202020204" pitchFamily="34" charset="0"/>
+                <a:latin typeface="Arial" pitchFamily="34" charset="0"/>
+                <a:ea typeface="Arial" pitchFamily="34" charset="0"/>
                 <a:sym typeface="+mn-ea"/>
               </a:rPr>
               <a:t>],</a:t>
@@ -16507,8 +16507,8 @@
                   </a:srgbClr>
                 </a:outerShdw>
               </a:effectLst>
-              <a:latin typeface="Arial" panose="020B0604020202020204" pitchFamily="34" charset="0"/>
-              <a:ea typeface="Arial" panose="020B0604020202020204" pitchFamily="34" charset="0"/>
+              <a:latin typeface="Arial" pitchFamily="34" charset="0"/>
+              <a:ea typeface="Arial" pitchFamily="34" charset="0"/>
               <a:sym typeface="+mn-ea"/>
             </a:endParaRPr>
           </a:p>
@@ -16526,8 +16526,8 @@
                     </a:srgbClr>
                   </a:outerShdw>
                 </a:effectLst>
-                <a:latin typeface="Arial" panose="020B0604020202020204" pitchFamily="34" charset="0"/>
-                <a:ea typeface="Arial" panose="020B0604020202020204" pitchFamily="34" charset="0"/>
+                <a:latin typeface="Arial" pitchFamily="34" charset="0"/>
+                <a:ea typeface="Arial" pitchFamily="34" charset="0"/>
                 <a:sym typeface="+mn-ea"/>
               </a:rPr>
               <a:t>You can get into the programming page.</a:t>
@@ -16596,7 +16596,7 @@
                   <a:schemeClr val="accent2"/>
                 </a:solidFill>
                 <a:latin typeface="+mn-lt"/>
-                <a:ea typeface="微软雅黑" panose="020B0503020204020204" charset="-122"/>
+                <a:ea typeface="微软雅黑" charset="-122"/>
                 <a:cs typeface="+mn-lt"/>
               </a:rPr>
               <a:t>micro</a:t>
@@ -16607,7 +16607,7 @@
                   <a:schemeClr val="accent2"/>
                 </a:solidFill>
                 <a:latin typeface="+mn-lt"/>
-                <a:ea typeface="微软雅黑" panose="020B0503020204020204" charset="-122"/>
+                <a:ea typeface="微软雅黑" charset="-122"/>
                 <a:cs typeface="+mn-lt"/>
               </a:rPr>
               <a:t>：</a:t>
@@ -16618,7 +16618,7 @@
                   <a:schemeClr val="accent2"/>
                 </a:solidFill>
                 <a:latin typeface="+mn-lt"/>
-                <a:ea typeface="微软雅黑" panose="020B0503020204020204" charset="-122"/>
+                <a:ea typeface="微软雅黑" charset="-122"/>
                 <a:cs typeface="+mn-lt"/>
               </a:rPr>
               <a:t>bit p</a:t>
@@ -16629,7 +16629,7 @@
                   <a:schemeClr val="accent2"/>
                 </a:solidFill>
                 <a:latin typeface="+mn-lt"/>
-                <a:ea typeface="微软雅黑" panose="020B0503020204020204" charset="-122"/>
+                <a:ea typeface="微软雅黑" charset="-122"/>
                 <a:cs typeface="+mn-lt"/>
               </a:rPr>
               <a:t>rogramming tutorial</a:t>
@@ -16639,7 +16639,7 @@
                 <a:schemeClr val="accent2"/>
               </a:solidFill>
               <a:latin typeface="+mn-lt"/>
-              <a:ea typeface="微软雅黑" panose="020B0503020204020204" charset="-122"/>
+              <a:ea typeface="微软雅黑" charset="-122"/>
               <a:cs typeface="+mn-lt"/>
             </a:endParaRPr>
           </a:p>
@@ -17041,8 +17041,8 @@
                 <a:solidFill>
                   <a:schemeClr val="bg1"/>
                 </a:solidFill>
-                <a:latin typeface="微软雅黑" panose="020B0503020204020204" charset="-122"/>
-                <a:ea typeface="微软雅黑" panose="020B0503020204020204" charset="-122"/>
+                <a:latin typeface="微软雅黑" charset="-122"/>
+                <a:ea typeface="微软雅黑" charset="-122"/>
                 <a:sym typeface="+mn-ea"/>
               </a:rPr>
               <a:t> Yahboom</a:t>
@@ -17052,8 +17052,8 @@
                 <a:solidFill>
                   <a:schemeClr val="bg1"/>
                 </a:solidFill>
-                <a:latin typeface="微软雅黑" panose="020B0503020204020204" charset="-122"/>
-                <a:ea typeface="微软雅黑" panose="020B0503020204020204" charset="-122"/>
+                <a:latin typeface="微软雅黑" charset="-122"/>
+                <a:ea typeface="微软雅黑" charset="-122"/>
                 <a:sym typeface="+mn-ea"/>
               </a:rPr>
               <a:t>     </a:t>
@@ -17063,8 +17063,8 @@
                 <a:solidFill>
                   <a:schemeClr val="bg1"/>
                 </a:solidFill>
-                <a:latin typeface="微软雅黑" panose="020B0503020204020204" charset="-122"/>
-                <a:ea typeface="微软雅黑" panose="020B0503020204020204" charset="-122"/>
+                <a:latin typeface="微软雅黑" charset="-122"/>
+                <a:ea typeface="微软雅黑" charset="-122"/>
                 <a:sym typeface="+mn-ea"/>
               </a:rPr>
               <a:t>micro:bit t</a:t>
@@ -17074,8 +17074,8 @@
                 <a:solidFill>
                   <a:schemeClr val="bg1"/>
                 </a:solidFill>
-                <a:latin typeface="微软雅黑" panose="020B0503020204020204" charset="-122"/>
-                <a:ea typeface="微软雅黑" panose="020B0503020204020204" charset="-122"/>
+                <a:latin typeface="微软雅黑" charset="-122"/>
+                <a:ea typeface="微软雅黑" charset="-122"/>
                 <a:sym typeface="+mn-ea"/>
               </a:rPr>
               <a:t>utorial</a:t>
@@ -17084,8 +17084,8 @@
               <a:solidFill>
                 <a:schemeClr val="bg1"/>
               </a:solidFill>
-              <a:latin typeface="微软雅黑" panose="020B0503020204020204" charset="-122"/>
-              <a:ea typeface="微软雅黑" panose="020B0503020204020204" charset="-122"/>
+              <a:latin typeface="微软雅黑" charset="-122"/>
+              <a:ea typeface="微软雅黑" charset="-122"/>
               <a:sym typeface="+mn-ea"/>
             </a:endParaRPr>
           </a:p>
@@ -17120,8 +17120,8 @@
                     <a:lumMod val="75000"/>
                   </a:schemeClr>
                 </a:solidFill>
-                <a:latin typeface="Arial" panose="020B0604020202020204" pitchFamily="34" charset="0"/>
-                <a:ea typeface="Arial" panose="020B0604020202020204" pitchFamily="34" charset="0"/>
+                <a:latin typeface="Arial" pitchFamily="34" charset="0"/>
+                <a:ea typeface="Arial" pitchFamily="34" charset="0"/>
                 <a:sym typeface="+mn-ea"/>
               </a:rPr>
               <a:t>How to open a programming web page?</a:t>
@@ -17132,8 +17132,8 @@
                   <a:lumMod val="75000"/>
                 </a:schemeClr>
               </a:solidFill>
-              <a:latin typeface="Arial" panose="020B0604020202020204" pitchFamily="34" charset="0"/>
-              <a:ea typeface="Arial" panose="020B0604020202020204" pitchFamily="34" charset="0"/>
+              <a:latin typeface="Arial" pitchFamily="34" charset="0"/>
+              <a:ea typeface="Arial" pitchFamily="34" charset="0"/>
             </a:endParaRPr>
           </a:p>
           <a:p>
@@ -17143,8 +17143,8 @@
                   <a:lumMod val="75000"/>
                 </a:schemeClr>
               </a:solidFill>
-              <a:latin typeface="Arial" panose="020B0604020202020204" pitchFamily="34" charset="0"/>
-              <a:ea typeface="Arial" panose="020B0604020202020204" pitchFamily="34" charset="0"/>
+              <a:latin typeface="Arial" pitchFamily="34" charset="0"/>
+              <a:ea typeface="Arial" pitchFamily="34" charset="0"/>
               <a:sym typeface="+mn-ea"/>
             </a:endParaRPr>
           </a:p>
@@ -17990,8 +17990,8 @@
                     </a:srgbClr>
                   </a:outerShdw>
                 </a:effectLst>
-                <a:latin typeface="Arial" panose="020B0604020202020204" pitchFamily="34" charset="0"/>
-                <a:ea typeface="Arial" panose="020B0604020202020204" pitchFamily="34" charset="0"/>
+                <a:latin typeface="Arial" pitchFamily="34" charset="0"/>
+                <a:ea typeface="Arial" pitchFamily="34" charset="0"/>
                 <a:sym typeface="+mn-ea"/>
               </a:rPr>
               <a:t> Click Advanced,</a:t>
@@ -18008,8 +18008,8 @@
                     </a:srgbClr>
                   </a:outerShdw>
                 </a:effectLst>
-                <a:latin typeface="Arial" panose="020B0604020202020204" pitchFamily="34" charset="0"/>
-                <a:ea typeface="Arial" panose="020B0604020202020204" pitchFamily="34" charset="0"/>
+                <a:latin typeface="Arial" pitchFamily="34" charset="0"/>
+                <a:ea typeface="Arial" pitchFamily="34" charset="0"/>
                 <a:sym typeface="+mn-ea"/>
               </a:rPr>
               <a:t> </a:t>
@@ -18026,8 +18026,8 @@
                     </a:srgbClr>
                   </a:outerShdw>
                 </a:effectLst>
-                <a:latin typeface="Arial" panose="020B0604020202020204" pitchFamily="34" charset="0"/>
-                <a:ea typeface="Arial" panose="020B0604020202020204" pitchFamily="34" charset="0"/>
+                <a:latin typeface="Arial" pitchFamily="34" charset="0"/>
+                <a:ea typeface="Arial" pitchFamily="34" charset="0"/>
                 <a:sym typeface="+mn-ea"/>
               </a:rPr>
               <a:t>then Click Add Package</a:t>
@@ -18062,7 +18062,7 @@
                   <a:schemeClr val="accent2"/>
                 </a:solidFill>
                 <a:latin typeface="+mn-lt"/>
-                <a:ea typeface="微软雅黑" panose="020B0503020204020204" charset="-122"/>
+                <a:ea typeface="微软雅黑" charset="-122"/>
                 <a:cs typeface="+mn-lt"/>
               </a:rPr>
               <a:t>micro</a:t>
@@ -18073,7 +18073,7 @@
                   <a:schemeClr val="accent2"/>
                 </a:solidFill>
                 <a:latin typeface="+mn-lt"/>
-                <a:ea typeface="微软雅黑" panose="020B0503020204020204" charset="-122"/>
+                <a:ea typeface="微软雅黑" charset="-122"/>
                 <a:cs typeface="+mn-lt"/>
               </a:rPr>
               <a:t>：</a:t>
@@ -18084,7 +18084,7 @@
                   <a:schemeClr val="accent2"/>
                 </a:solidFill>
                 <a:latin typeface="+mn-lt"/>
-                <a:ea typeface="微软雅黑" panose="020B0503020204020204" charset="-122"/>
+                <a:ea typeface="微软雅黑" charset="-122"/>
                 <a:cs typeface="+mn-lt"/>
               </a:rPr>
               <a:t>bit p</a:t>
@@ -18095,7 +18095,7 @@
                   <a:schemeClr val="accent2"/>
                 </a:solidFill>
                 <a:latin typeface="+mn-lt"/>
-                <a:ea typeface="微软雅黑" panose="020B0503020204020204" charset="-122"/>
+                <a:ea typeface="微软雅黑" charset="-122"/>
                 <a:cs typeface="+mn-lt"/>
               </a:rPr>
               <a:t>rogramming tutorial</a:t>
@@ -18105,7 +18105,7 @@
                 <a:schemeClr val="accent2"/>
               </a:solidFill>
               <a:latin typeface="+mn-lt"/>
-              <a:ea typeface="微软雅黑" panose="020B0503020204020204" charset="-122"/>
+              <a:ea typeface="微软雅黑" charset="-122"/>
               <a:cs typeface="+mn-lt"/>
             </a:endParaRPr>
           </a:p>
@@ -18507,8 +18507,8 @@
                 <a:solidFill>
                   <a:schemeClr val="bg1"/>
                 </a:solidFill>
-                <a:latin typeface="微软雅黑" panose="020B0503020204020204" charset="-122"/>
-                <a:ea typeface="微软雅黑" panose="020B0503020204020204" charset="-122"/>
+                <a:latin typeface="微软雅黑" charset="-122"/>
+                <a:ea typeface="微软雅黑" charset="-122"/>
                 <a:sym typeface="+mn-ea"/>
               </a:rPr>
               <a:t> Yahboom</a:t>
@@ -18518,8 +18518,8 @@
                 <a:solidFill>
                   <a:schemeClr val="bg1"/>
                 </a:solidFill>
-                <a:latin typeface="微软雅黑" panose="020B0503020204020204" charset="-122"/>
-                <a:ea typeface="微软雅黑" panose="020B0503020204020204" charset="-122"/>
+                <a:latin typeface="微软雅黑" charset="-122"/>
+                <a:ea typeface="微软雅黑" charset="-122"/>
                 <a:sym typeface="+mn-ea"/>
               </a:rPr>
               <a:t>     </a:t>
@@ -18529,8 +18529,8 @@
                 <a:solidFill>
                   <a:schemeClr val="bg1"/>
                 </a:solidFill>
-                <a:latin typeface="微软雅黑" panose="020B0503020204020204" charset="-122"/>
-                <a:ea typeface="微软雅黑" panose="020B0503020204020204" charset="-122"/>
+                <a:latin typeface="微软雅黑" charset="-122"/>
+                <a:ea typeface="微软雅黑" charset="-122"/>
                 <a:sym typeface="+mn-ea"/>
               </a:rPr>
               <a:t>micro:bit t</a:t>
@@ -18540,8 +18540,8 @@
                 <a:solidFill>
                   <a:schemeClr val="bg1"/>
                 </a:solidFill>
-                <a:latin typeface="微软雅黑" panose="020B0503020204020204" charset="-122"/>
-                <a:ea typeface="微软雅黑" panose="020B0503020204020204" charset="-122"/>
+                <a:latin typeface="微软雅黑" charset="-122"/>
+                <a:ea typeface="微软雅黑" charset="-122"/>
                 <a:sym typeface="+mn-ea"/>
               </a:rPr>
               <a:t>utorial</a:t>
@@ -18550,8 +18550,8 @@
               <a:solidFill>
                 <a:schemeClr val="bg1"/>
               </a:solidFill>
-              <a:latin typeface="微软雅黑" panose="020B0503020204020204" charset="-122"/>
-              <a:ea typeface="微软雅黑" panose="020B0503020204020204" charset="-122"/>
+              <a:latin typeface="微软雅黑" charset="-122"/>
+              <a:ea typeface="微软雅黑" charset="-122"/>
               <a:sym typeface="+mn-ea"/>
             </a:endParaRPr>
           </a:p>
@@ -18585,8 +18585,8 @@
                     <a:lumMod val="75000"/>
                   </a:schemeClr>
                 </a:solidFill>
-                <a:latin typeface="Arial" panose="020B0604020202020204" pitchFamily="34" charset="0"/>
-                <a:ea typeface="Arial" panose="020B0604020202020204" pitchFamily="34" charset="0"/>
+                <a:latin typeface="Arial" pitchFamily="34" charset="0"/>
+                <a:ea typeface="Arial" pitchFamily="34" charset="0"/>
                 <a:sym typeface="+mn-ea"/>
               </a:rPr>
               <a:t>How to add YahBoom extension</a:t>
@@ -18598,8 +18598,8 @@
                     <a:lumMod val="75000"/>
                   </a:schemeClr>
                 </a:solidFill>
-                <a:latin typeface="Arial" panose="020B0604020202020204" pitchFamily="34" charset="0"/>
-                <a:ea typeface="Arial" panose="020B0604020202020204" pitchFamily="34" charset="0"/>
+                <a:latin typeface="Arial" pitchFamily="34" charset="0"/>
+                <a:ea typeface="Arial" pitchFamily="34" charset="0"/>
                 <a:sym typeface="+mn-ea"/>
               </a:rPr>
               <a:t> </a:t>
@@ -18610,8 +18610,8 @@
                   <a:lumMod val="75000"/>
                 </a:schemeClr>
               </a:solidFill>
-              <a:latin typeface="Arial" panose="020B0604020202020204" pitchFamily="34" charset="0"/>
-              <a:ea typeface="Arial" panose="020B0604020202020204" pitchFamily="34" charset="0"/>
+              <a:latin typeface="Arial" pitchFamily="34" charset="0"/>
+              <a:ea typeface="Arial" pitchFamily="34" charset="0"/>
               <a:sym typeface="+mn-ea"/>
             </a:endParaRPr>
           </a:p>
@@ -19414,7 +19414,7 @@
         <p:spPr>
           <a:xfrm>
             <a:off x="1988185" y="1716405"/>
-            <a:ext cx="8176895" cy="645160"/>
+            <a:ext cx="8176895" cy="914400"/>
           </a:xfrm>
           <a:prstGeom prst="rect">
             <a:avLst/>
@@ -19427,23 +19427,6 @@
           </a:bodyPr>
           <a:p>
             <a:r>
-              <a:rPr lang="en-US" altLang="zh-CN">
-                <a:solidFill>
-                  <a:schemeClr val="accent1"/>
-                </a:solidFill>
-                <a:effectLst>
-                  <a:outerShdw blurRad="38100" dist="25400" dir="5400000" algn="ctr" rotWithShape="0">
-                    <a:srgbClr val="6E747A">
-                      <a:alpha val="43000"/>
-                    </a:srgbClr>
-                  </a:outerShdw>
-                </a:effectLst>
-                <a:latin typeface="方正少儿_GBK" panose="02000000000000000000" charset="-122"/>
-                <a:ea typeface="方正少儿_GBK" panose="02000000000000000000" charset="-122"/>
-              </a:rPr>
-              <a:t>       </a:t>
-            </a:r>
-            <a:r>
               <a:rPr lang="zh-CN" altLang="en-US">
                 <a:solidFill>
                   <a:schemeClr val="accent1"/>
@@ -19455,8 +19438,8 @@
                     </a:srgbClr>
                   </a:outerShdw>
                 </a:effectLst>
-                <a:latin typeface="Arial" panose="020B0604020202020204" pitchFamily="34" charset="0"/>
-                <a:ea typeface="Arial" panose="020B0604020202020204" pitchFamily="34" charset="0"/>
+                <a:latin typeface="Arial" pitchFamily="34" charset="0"/>
+                <a:ea typeface="Arial" pitchFamily="34" charset="0"/>
                 <a:sym typeface="+mn-ea"/>
               </a:rPr>
               <a:t>Enter the URL in the input column:</a:t>
@@ -19477,7 +19460,7 @@
                 <a:ea typeface="方正少儿_GBK" panose="02000000000000000000" charset="-122"/>
                 <a:sym typeface="+mn-ea"/>
               </a:rPr>
-              <a:t>https://github.com/lzty634158/GHBit</a:t>
+              <a:t>https://github.com/yahboomtechnology/ghbitlib</a:t>
             </a:r>
             <a:endParaRPr lang="zh-CN" altLang="en-US">
               <a:solidFill>
@@ -19508,47 +19491,11 @@
                     </a:srgbClr>
                   </a:outerShdw>
                 </a:effectLst>
-                <a:latin typeface="Arial" panose="020B0604020202020204" pitchFamily="34" charset="0"/>
-                <a:ea typeface="Arial" panose="020B0604020202020204" pitchFamily="34" charset="0"/>
+                <a:latin typeface="Arial" pitchFamily="34" charset="0"/>
+                <a:ea typeface="Arial" pitchFamily="34" charset="0"/>
                 <a:sym typeface="+mn-ea"/>
               </a:rPr>
-              <a:t>Then click </a:t>
-            </a:r>
-            <a:r>
-              <a:rPr>
-                <a:solidFill>
-                  <a:schemeClr val="accent1"/>
-                </a:solidFill>
-                <a:effectLst>
-                  <a:outerShdw blurRad="38100" dist="25400" dir="5400000" algn="ctr" rotWithShape="0">
-                    <a:srgbClr val="6E747A">
-                      <a:alpha val="43000"/>
-                    </a:srgbClr>
-                  </a:outerShdw>
-                </a:effectLst>
-                <a:latin typeface="Arial" panose="020B0604020202020204" pitchFamily="34" charset="0"/>
-                <a:ea typeface="Arial" panose="020B0604020202020204" pitchFamily="34" charset="0"/>
-                <a:sym typeface="+mn-ea"/>
-              </a:rPr>
-              <a:t>GHBit</a:t>
-            </a:r>
-            <a:r>
-              <a:rPr>
-                <a:solidFill>
-                  <a:schemeClr val="accent1"/>
-                </a:solidFill>
-                <a:effectLst>
-                  <a:outerShdw blurRad="38100" dist="25400" dir="5400000" algn="ctr" rotWithShape="0">
-                    <a:srgbClr val="6E747A">
-                      <a:alpha val="43000"/>
-                    </a:srgbClr>
-                  </a:outerShdw>
-                </a:effectLst>
-                <a:latin typeface="Arial" panose="020B0604020202020204" pitchFamily="34" charset="0"/>
-                <a:ea typeface="Arial" panose="020B0604020202020204" pitchFamily="34" charset="0"/>
-                <a:sym typeface="+mn-ea"/>
-              </a:rPr>
-              <a:t>, and you can add the package successfully.</a:t>
+              <a:t>Then click GHBit, and you can add the package successfully.</a:t>
             </a:r>
             <a:endParaRPr lang="en-US" altLang="zh-CN">
               <a:solidFill>
@@ -19596,8 +19543,8 @@
                     <a:lumMod val="75000"/>
                   </a:schemeClr>
                 </a:solidFill>
-                <a:latin typeface="Arial" panose="020B0604020202020204" pitchFamily="34" charset="0"/>
-                <a:ea typeface="Arial" panose="020B0604020202020204" pitchFamily="34" charset="0"/>
+                <a:latin typeface="Arial" pitchFamily="34" charset="0"/>
+                <a:ea typeface="Arial" pitchFamily="34" charset="0"/>
                 <a:sym typeface="+mn-ea"/>
               </a:rPr>
               <a:t>How to add YahBoom extension</a:t>
@@ -19641,7 +19588,7 @@
                   <a:schemeClr val="accent2"/>
                 </a:solidFill>
                 <a:latin typeface="+mn-lt"/>
-                <a:ea typeface="微软雅黑" panose="020B0503020204020204" charset="-122"/>
+                <a:ea typeface="微软雅黑" charset="-122"/>
                 <a:cs typeface="+mn-lt"/>
               </a:rPr>
               <a:t>micro</a:t>
@@ -19652,7 +19599,7 @@
                   <a:schemeClr val="accent2"/>
                 </a:solidFill>
                 <a:latin typeface="+mn-lt"/>
-                <a:ea typeface="微软雅黑" panose="020B0503020204020204" charset="-122"/>
+                <a:ea typeface="微软雅黑" charset="-122"/>
                 <a:cs typeface="+mn-lt"/>
               </a:rPr>
               <a:t>：</a:t>
@@ -19663,7 +19610,7 @@
                   <a:schemeClr val="accent2"/>
                 </a:solidFill>
                 <a:latin typeface="+mn-lt"/>
-                <a:ea typeface="微软雅黑" panose="020B0503020204020204" charset="-122"/>
+                <a:ea typeface="微软雅黑" charset="-122"/>
                 <a:cs typeface="+mn-lt"/>
               </a:rPr>
               <a:t>bit p</a:t>
@@ -19674,7 +19621,7 @@
                   <a:schemeClr val="accent2"/>
                 </a:solidFill>
                 <a:latin typeface="+mn-lt"/>
-                <a:ea typeface="微软雅黑" panose="020B0503020204020204" charset="-122"/>
+                <a:ea typeface="微软雅黑" charset="-122"/>
                 <a:cs typeface="+mn-lt"/>
               </a:rPr>
               <a:t>rogramming tutorial</a:t>
@@ -19684,7 +19631,7 @@
                 <a:schemeClr val="accent2"/>
               </a:solidFill>
               <a:latin typeface="+mn-lt"/>
-              <a:ea typeface="微软雅黑" panose="020B0503020204020204" charset="-122"/>
+              <a:ea typeface="微软雅黑" charset="-122"/>
               <a:cs typeface="+mn-lt"/>
             </a:endParaRPr>
           </a:p>
@@ -20086,8 +20033,8 @@
                 <a:solidFill>
                   <a:schemeClr val="bg1"/>
                 </a:solidFill>
-                <a:latin typeface="微软雅黑" panose="020B0503020204020204" charset="-122"/>
-                <a:ea typeface="微软雅黑" panose="020B0503020204020204" charset="-122"/>
+                <a:latin typeface="微软雅黑" charset="-122"/>
+                <a:ea typeface="微软雅黑" charset="-122"/>
                 <a:sym typeface="+mn-ea"/>
               </a:rPr>
               <a:t> Yahboom</a:t>
@@ -20097,8 +20044,8 @@
                 <a:solidFill>
                   <a:schemeClr val="bg1"/>
                 </a:solidFill>
-                <a:latin typeface="微软雅黑" panose="020B0503020204020204" charset="-122"/>
-                <a:ea typeface="微软雅黑" panose="020B0503020204020204" charset="-122"/>
+                <a:latin typeface="微软雅黑" charset="-122"/>
+                <a:ea typeface="微软雅黑" charset="-122"/>
                 <a:sym typeface="+mn-ea"/>
               </a:rPr>
               <a:t>     </a:t>
@@ -20108,8 +20055,8 @@
                 <a:solidFill>
                   <a:schemeClr val="bg1"/>
                 </a:solidFill>
-                <a:latin typeface="微软雅黑" panose="020B0503020204020204" charset="-122"/>
-                <a:ea typeface="微软雅黑" panose="020B0503020204020204" charset="-122"/>
+                <a:latin typeface="微软雅黑" charset="-122"/>
+                <a:ea typeface="微软雅黑" charset="-122"/>
                 <a:sym typeface="+mn-ea"/>
               </a:rPr>
               <a:t>micro:bit t</a:t>
@@ -20119,8 +20066,8 @@
                 <a:solidFill>
                   <a:schemeClr val="bg1"/>
                 </a:solidFill>
-                <a:latin typeface="微软雅黑" panose="020B0503020204020204" charset="-122"/>
-                <a:ea typeface="微软雅黑" panose="020B0503020204020204" charset="-122"/>
+                <a:latin typeface="微软雅黑" charset="-122"/>
+                <a:ea typeface="微软雅黑" charset="-122"/>
                 <a:sym typeface="+mn-ea"/>
               </a:rPr>
               <a:t>utorial</a:t>
@@ -20129,8 +20076,8 @@
               <a:solidFill>
                 <a:schemeClr val="bg1"/>
               </a:solidFill>
-              <a:latin typeface="微软雅黑" panose="020B0503020204020204" charset="-122"/>
-              <a:ea typeface="微软雅黑" panose="020B0503020204020204" charset="-122"/>
+              <a:latin typeface="微软雅黑" charset="-122"/>
+              <a:ea typeface="微软雅黑" charset="-122"/>
               <a:sym typeface="+mn-ea"/>
             </a:endParaRPr>
           </a:p>
@@ -20152,8 +20099,8 @@
         </p:blipFill>
         <p:spPr>
           <a:xfrm>
-            <a:off x="3178810" y="2310765"/>
-            <a:ext cx="4656455" cy="1459230"/>
+            <a:off x="3919855" y="2757805"/>
+            <a:ext cx="3281680" cy="1028700"/>
           </a:xfrm>
           <a:prstGeom prst="rect">
             <a:avLst/>
@@ -20443,6 +20390,8 @@
       </a:bgFillStyleLst>
     </a:fmtScheme>
   </a:themeElements>
+  <a:objectDefaults/>
+  <a:extraClrSchemeLst/>
   <a:extLst>
     <a:ext uri="{05A4C25C-085E-4340-85A3-A5531E510DB2}">
       <thm15:themeFamily xmlns:thm15="http://schemas.microsoft.com/office/thememl/2012/main" name="Office Theme" id="{62F939B6-93AF-4DB8-9C6B-D6C7DFDC589F}" vid="{4A3C46E8-61CC-4603-A589-7422A47A8E4A}"/>
